--- a/homework5/ML_HW5_定版.pptx
+++ b/homework5/ML_HW5_定版.pptx
@@ -2733,7 +2733,7 @@
         <a:p>
           <a:r>
             <a:rPr lang="zh-TW" altLang="en-US" dirty="0" smtClean="0"/>
-            <a:t>資料正規化模組</a:t>
+            <a:t>資料產生及路徑產生模組</a:t>
           </a:r>
           <a:endParaRPr lang="zh-TW" altLang="en-US" dirty="0"/>
         </a:p>
@@ -2770,11 +2770,7 @@
         <a:p>
           <a:r>
             <a:rPr lang="zh-TW" altLang="en-US" dirty="0" smtClean="0"/>
-            <a:t>訓練</a:t>
-          </a:r>
-          <a:r>
-            <a:rPr lang="zh-TW" altLang="en-US" dirty="0" smtClean="0"/>
-            <a:t>模組</a:t>
+            <a:t>訓練模組</a:t>
           </a:r>
           <a:endParaRPr lang="en-US" altLang="zh-TW" dirty="0" smtClean="0"/>
         </a:p>
@@ -2952,6 +2948,43 @@
         </a:p>
       </dgm:t>
     </dgm:pt>
+    <dgm:pt modelId="{34ED501E-A939-4BC7-931E-BD4127D5185B}">
+      <dgm:prSet phldrT="[文字]"/>
+      <dgm:spPr/>
+      <dgm:t>
+        <a:bodyPr/>
+        <a:lstStyle/>
+        <a:p>
+          <a:r>
+            <a:rPr lang="zh-TW" altLang="en-US" dirty="0" smtClean="0"/>
+            <a:t>資料正規化模組</a:t>
+          </a:r>
+          <a:endParaRPr lang="zh-TW" altLang="en-US" dirty="0"/>
+        </a:p>
+      </dgm:t>
+    </dgm:pt>
+    <dgm:pt modelId="{C76F66D4-28CD-4018-AD70-BE962CE9E6E5}" type="parTrans" cxnId="{79376C36-5041-4D82-89CE-6CF82C87D6C6}">
+      <dgm:prSet/>
+      <dgm:spPr/>
+      <dgm:t>
+        <a:bodyPr/>
+        <a:lstStyle/>
+        <a:p>
+          <a:endParaRPr lang="zh-TW" altLang="en-US"/>
+        </a:p>
+      </dgm:t>
+    </dgm:pt>
+    <dgm:pt modelId="{CB6376B6-6182-43B5-966B-FBFE7FD94356}" type="sibTrans" cxnId="{79376C36-5041-4D82-89CE-6CF82C87D6C6}">
+      <dgm:prSet/>
+      <dgm:spPr/>
+      <dgm:t>
+        <a:bodyPr/>
+        <a:lstStyle/>
+        <a:p>
+          <a:endParaRPr lang="zh-TW" altLang="en-US"/>
+        </a:p>
+      </dgm:t>
+    </dgm:pt>
     <dgm:pt modelId="{71C2623C-F225-4105-898B-D6F72E89C25A}" type="pres">
       <dgm:prSet presAssocID="{4817A794-4E41-4F1E-B014-3712FB8CBEE3}" presName="Name0" presStyleCnt="0">
         <dgm:presLayoutVars>
@@ -2960,21 +2993,54 @@
         </dgm:presLayoutVars>
       </dgm:prSet>
       <dgm:spPr/>
+      <dgm:t>
+        <a:bodyPr/>
+        <a:lstStyle/>
+        <a:p>
+          <a:endParaRPr lang="zh-TW" altLang="en-US"/>
+        </a:p>
+      </dgm:t>
     </dgm:pt>
     <dgm:pt modelId="{90241D68-05F7-4BA6-AE65-5E454A3AC5C8}" type="pres">
-      <dgm:prSet presAssocID="{EDD29617-CECB-4426-99D1-B6CCA9704231}" presName="parTxOnly" presStyleLbl="node1" presStyleIdx="0" presStyleCnt="5">
+      <dgm:prSet presAssocID="{EDD29617-CECB-4426-99D1-B6CCA9704231}" presName="parTxOnly" presStyleLbl="node1" presStyleIdx="0" presStyleCnt="6" custLinFactNeighborX="-27473" custLinFactNeighborY="-2152">
         <dgm:presLayoutVars>
           <dgm:bulletEnabled val="1"/>
         </dgm:presLayoutVars>
       </dgm:prSet>
       <dgm:spPr/>
+      <dgm:t>
+        <a:bodyPr/>
+        <a:lstStyle/>
+        <a:p>
+          <a:endParaRPr lang="zh-TW" altLang="en-US"/>
+        </a:p>
+      </dgm:t>
     </dgm:pt>
     <dgm:pt modelId="{59089CB7-5787-485C-B2FB-7752803DBA5F}" type="pres">
       <dgm:prSet presAssocID="{7BF8A150-8D36-49A6-9405-9A276DCCD74B}" presName="parSpace" presStyleCnt="0"/>
       <dgm:spPr/>
     </dgm:pt>
+    <dgm:pt modelId="{98D5E02D-F0C2-4BB3-9E2A-05E581D86E85}" type="pres">
+      <dgm:prSet presAssocID="{34ED501E-A939-4BC7-931E-BD4127D5185B}" presName="parTxOnly" presStyleLbl="node1" presStyleIdx="1" presStyleCnt="6">
+        <dgm:presLayoutVars>
+          <dgm:bulletEnabled val="1"/>
+        </dgm:presLayoutVars>
+      </dgm:prSet>
+      <dgm:spPr/>
+      <dgm:t>
+        <a:bodyPr/>
+        <a:lstStyle/>
+        <a:p>
+          <a:endParaRPr lang="zh-TW" altLang="en-US"/>
+        </a:p>
+      </dgm:t>
+    </dgm:pt>
+    <dgm:pt modelId="{B17C1CB8-1FC8-4A6E-B2C0-7C9F9F638DC7}" type="pres">
+      <dgm:prSet presAssocID="{CB6376B6-6182-43B5-966B-FBFE7FD94356}" presName="parSpace" presStyleCnt="0"/>
+      <dgm:spPr/>
+    </dgm:pt>
     <dgm:pt modelId="{37F2D1DA-AB64-43FE-98AF-6E7D7A755C4F}" type="pres">
-      <dgm:prSet presAssocID="{F441C939-18E5-4182-9240-ADD42AC24675}" presName="parTxOnly" presStyleLbl="node1" presStyleIdx="1" presStyleCnt="5">
+      <dgm:prSet presAssocID="{F441C939-18E5-4182-9240-ADD42AC24675}" presName="parTxOnly" presStyleLbl="node1" presStyleIdx="2" presStyleCnt="6">
         <dgm:presLayoutVars>
           <dgm:bulletEnabled val="1"/>
         </dgm:presLayoutVars>
@@ -2993,59 +3059,84 @@
       <dgm:spPr/>
     </dgm:pt>
     <dgm:pt modelId="{82A47268-319D-46F4-8D06-BF4EA91763BC}" type="pres">
-      <dgm:prSet presAssocID="{1B911186-C6C0-4610-A85A-D98D9CC0EF80}" presName="parTxOnly" presStyleLbl="node1" presStyleIdx="2" presStyleCnt="5">
+      <dgm:prSet presAssocID="{1B911186-C6C0-4610-A85A-D98D9CC0EF80}" presName="parTxOnly" presStyleLbl="node1" presStyleIdx="3" presStyleCnt="6">
         <dgm:presLayoutVars>
           <dgm:bulletEnabled val="1"/>
         </dgm:presLayoutVars>
       </dgm:prSet>
       <dgm:spPr/>
+      <dgm:t>
+        <a:bodyPr/>
+        <a:lstStyle/>
+        <a:p>
+          <a:endParaRPr lang="zh-TW" altLang="en-US"/>
+        </a:p>
+      </dgm:t>
     </dgm:pt>
     <dgm:pt modelId="{97ADF7C7-81C9-4B45-A646-61ED51B1EA44}" type="pres">
       <dgm:prSet presAssocID="{6FA44E27-3292-432F-8804-6EAEA329FA76}" presName="parSpace" presStyleCnt="0"/>
       <dgm:spPr/>
     </dgm:pt>
     <dgm:pt modelId="{233886AE-F689-4A85-8FB0-245B9B87F087}" type="pres">
-      <dgm:prSet presAssocID="{A226C628-EC35-4A05-96EC-45E649BB84CE}" presName="parTxOnly" presStyleLbl="node1" presStyleIdx="3" presStyleCnt="5" custLinFactNeighborX="91557" custLinFactNeighborY="-50000">
+      <dgm:prSet presAssocID="{A226C628-EC35-4A05-96EC-45E649BB84CE}" presName="parTxOnly" presStyleLbl="node1" presStyleIdx="4" presStyleCnt="6" custLinFactX="29762" custLinFactY="-100000" custLinFactNeighborX="100000" custLinFactNeighborY="-113271">
         <dgm:presLayoutVars>
           <dgm:bulletEnabled val="1"/>
         </dgm:presLayoutVars>
       </dgm:prSet>
       <dgm:spPr/>
+      <dgm:t>
+        <a:bodyPr/>
+        <a:lstStyle/>
+        <a:p>
+          <a:endParaRPr lang="zh-TW" altLang="en-US"/>
+        </a:p>
+      </dgm:t>
     </dgm:pt>
     <dgm:pt modelId="{777F67B9-53A4-41B7-8C21-508565BCA9AA}" type="pres">
       <dgm:prSet presAssocID="{108050D9-AAA2-49B2-BF8E-121C23BA18A9}" presName="parSpace" presStyleCnt="0"/>
       <dgm:spPr/>
     </dgm:pt>
     <dgm:pt modelId="{C7E8294E-FD36-46C7-A3C2-47179F6E0AE6}" type="pres">
-      <dgm:prSet presAssocID="{3F023489-DFCF-457C-9FF4-FCD90ABFEAA8}" presName="parTxOnly" presStyleLbl="node1" presStyleIdx="4" presStyleCnt="5" custLinFactX="-41706" custLinFactNeighborX="-100000" custLinFactNeighborY="50928">
+      <dgm:prSet presAssocID="{3F023489-DFCF-457C-9FF4-FCD90ABFEAA8}" presName="parTxOnly" presStyleLbl="node1" presStyleIdx="5" presStyleCnt="6" custLinFactX="-10458" custLinFactNeighborX="-100000" custLinFactNeighborY="-67672">
         <dgm:presLayoutVars>
           <dgm:bulletEnabled val="1"/>
         </dgm:presLayoutVars>
       </dgm:prSet>
       <dgm:spPr/>
+      <dgm:t>
+        <a:bodyPr/>
+        <a:lstStyle/>
+        <a:p>
+          <a:endParaRPr lang="zh-TW" altLang="en-US"/>
+        </a:p>
+      </dgm:t>
     </dgm:pt>
   </dgm:ptLst>
   <dgm:cxnLst>
-    <dgm:cxn modelId="{BB34C200-C144-4232-9A4E-C29E223BB3A3}" srcId="{4817A794-4E41-4F1E-B014-3712FB8CBEE3}" destId="{1B911186-C6C0-4610-A85A-D98D9CC0EF80}" srcOrd="2" destOrd="0" parTransId="{D653DB0E-CC21-465B-B6EB-BF9BCFD5B24D}" sibTransId="{6FA44E27-3292-432F-8804-6EAEA329FA76}"/>
+    <dgm:cxn modelId="{79376C36-5041-4D82-89CE-6CF82C87D6C6}" srcId="{4817A794-4E41-4F1E-B014-3712FB8CBEE3}" destId="{34ED501E-A939-4BC7-931E-BD4127D5185B}" srcOrd="1" destOrd="0" parTransId="{C76F66D4-28CD-4018-AD70-BE962CE9E6E5}" sibTransId="{CB6376B6-6182-43B5-966B-FBFE7FD94356}"/>
+    <dgm:cxn modelId="{BB34C200-C144-4232-9A4E-C29E223BB3A3}" srcId="{4817A794-4E41-4F1E-B014-3712FB8CBEE3}" destId="{1B911186-C6C0-4610-A85A-D98D9CC0EF80}" srcOrd="3" destOrd="0" parTransId="{D653DB0E-CC21-465B-B6EB-BF9BCFD5B24D}" sibTransId="{6FA44E27-3292-432F-8804-6EAEA329FA76}"/>
     <dgm:cxn modelId="{C66467BD-F8AC-41B7-A686-25E81D8FAE3E}" type="presOf" srcId="{A226C628-EC35-4A05-96EC-45E649BB84CE}" destId="{233886AE-F689-4A85-8FB0-245B9B87F087}" srcOrd="0" destOrd="0" presId="urn:microsoft.com/office/officeart/2005/8/layout/hChevron3"/>
+    <dgm:cxn modelId="{EACF6002-F44E-44AC-9740-67B6C19108D5}" srcId="{4817A794-4E41-4F1E-B014-3712FB8CBEE3}" destId="{3F023489-DFCF-457C-9FF4-FCD90ABFEAA8}" srcOrd="5" destOrd="0" parTransId="{6219EC18-0AA9-4C9B-B901-770344395A93}" sibTransId="{6C30767D-A211-4D2B-AE12-601C78A1F06E}"/>
+    <dgm:cxn modelId="{6CEE22FD-E3B2-4A41-9180-476ACB4F9448}" srcId="{4817A794-4E41-4F1E-B014-3712FB8CBEE3}" destId="{EDD29617-CECB-4426-99D1-B6CCA9704231}" srcOrd="0" destOrd="0" parTransId="{B5C29F65-2D9A-4AE2-B94E-596E8F30AE4D}" sibTransId="{7BF8A150-8D36-49A6-9405-9A276DCCD74B}"/>
+    <dgm:cxn modelId="{78845CD0-5BE2-45AF-B769-EDF430D6899B}" srcId="{4817A794-4E41-4F1E-B014-3712FB8CBEE3}" destId="{A226C628-EC35-4A05-96EC-45E649BB84CE}" srcOrd="4" destOrd="0" parTransId="{E3C53AF6-6021-4456-B50A-8F64B699389C}" sibTransId="{108050D9-AAA2-49B2-BF8E-121C23BA18A9}"/>
+    <dgm:cxn modelId="{5960DDE2-79B1-4A2A-8DFC-0EC978B5B82C}" srcId="{4817A794-4E41-4F1E-B014-3712FB8CBEE3}" destId="{F441C939-18E5-4182-9240-ADD42AC24675}" srcOrd="2" destOrd="0" parTransId="{14F7E349-F3B8-4550-8AF8-346BA84FD1D2}" sibTransId="{9985A307-B5B5-4F07-84E5-EC482B98E156}"/>
+    <dgm:cxn modelId="{45D57C49-B130-49E5-A833-2353B4DD9FC7}" type="presOf" srcId="{F441C939-18E5-4182-9240-ADD42AC24675}" destId="{37F2D1DA-AB64-43FE-98AF-6E7D7A755C4F}" srcOrd="0" destOrd="0" presId="urn:microsoft.com/office/officeart/2005/8/layout/hChevron3"/>
+    <dgm:cxn modelId="{6779A2EF-09FC-45AB-BEA0-1E47C96340E4}" type="presOf" srcId="{EDD29617-CECB-4426-99D1-B6CCA9704231}" destId="{90241D68-05F7-4BA6-AE65-5E454A3AC5C8}" srcOrd="0" destOrd="0" presId="urn:microsoft.com/office/officeart/2005/8/layout/hChevron3"/>
+    <dgm:cxn modelId="{DF402503-B6BE-4387-AD9E-5B53FF9E0E8B}" type="presOf" srcId="{1B911186-C6C0-4610-A85A-D98D9CC0EF80}" destId="{82A47268-319D-46F4-8D06-BF4EA91763BC}" srcOrd="0" destOrd="0" presId="urn:microsoft.com/office/officeart/2005/8/layout/hChevron3"/>
+    <dgm:cxn modelId="{447013CB-B8F8-4656-B192-3F37AA7C4320}" type="presOf" srcId="{4817A794-4E41-4F1E-B014-3712FB8CBEE3}" destId="{71C2623C-F225-4105-898B-D6F72E89C25A}" srcOrd="0" destOrd="0" presId="urn:microsoft.com/office/officeart/2005/8/layout/hChevron3"/>
+    <dgm:cxn modelId="{6C60FDC6-FF45-4DE8-9645-3E1EF5ED404C}" type="presOf" srcId="{34ED501E-A939-4BC7-931E-BD4127D5185B}" destId="{98D5E02D-F0C2-4BB3-9E2A-05E581D86E85}" srcOrd="0" destOrd="0" presId="urn:microsoft.com/office/officeart/2005/8/layout/hChevron3"/>
     <dgm:cxn modelId="{7BBFCD75-9B62-4456-80CB-9D9DD68A7FAA}" type="presOf" srcId="{3F023489-DFCF-457C-9FF4-FCD90ABFEAA8}" destId="{C7E8294E-FD36-46C7-A3C2-47179F6E0AE6}" srcOrd="0" destOrd="0" presId="urn:microsoft.com/office/officeart/2005/8/layout/hChevron3"/>
-    <dgm:cxn modelId="{6779A2EF-09FC-45AB-BEA0-1E47C96340E4}" type="presOf" srcId="{EDD29617-CECB-4426-99D1-B6CCA9704231}" destId="{90241D68-05F7-4BA6-AE65-5E454A3AC5C8}" srcOrd="0" destOrd="0" presId="urn:microsoft.com/office/officeart/2005/8/layout/hChevron3"/>
-    <dgm:cxn modelId="{EACF6002-F44E-44AC-9740-67B6C19108D5}" srcId="{4817A794-4E41-4F1E-B014-3712FB8CBEE3}" destId="{3F023489-DFCF-457C-9FF4-FCD90ABFEAA8}" srcOrd="4" destOrd="0" parTransId="{6219EC18-0AA9-4C9B-B901-770344395A93}" sibTransId="{6C30767D-A211-4D2B-AE12-601C78A1F06E}"/>
-    <dgm:cxn modelId="{6CEE22FD-E3B2-4A41-9180-476ACB4F9448}" srcId="{4817A794-4E41-4F1E-B014-3712FB8CBEE3}" destId="{EDD29617-CECB-4426-99D1-B6CCA9704231}" srcOrd="0" destOrd="0" parTransId="{B5C29F65-2D9A-4AE2-B94E-596E8F30AE4D}" sibTransId="{7BF8A150-8D36-49A6-9405-9A276DCCD74B}"/>
-    <dgm:cxn modelId="{5960DDE2-79B1-4A2A-8DFC-0EC978B5B82C}" srcId="{4817A794-4E41-4F1E-B014-3712FB8CBEE3}" destId="{F441C939-18E5-4182-9240-ADD42AC24675}" srcOrd="1" destOrd="0" parTransId="{14F7E349-F3B8-4550-8AF8-346BA84FD1D2}" sibTransId="{9985A307-B5B5-4F07-84E5-EC482B98E156}"/>
-    <dgm:cxn modelId="{78845CD0-5BE2-45AF-B769-EDF430D6899B}" srcId="{4817A794-4E41-4F1E-B014-3712FB8CBEE3}" destId="{A226C628-EC35-4A05-96EC-45E649BB84CE}" srcOrd="3" destOrd="0" parTransId="{E3C53AF6-6021-4456-B50A-8F64B699389C}" sibTransId="{108050D9-AAA2-49B2-BF8E-121C23BA18A9}"/>
-    <dgm:cxn modelId="{447013CB-B8F8-4656-B192-3F37AA7C4320}" type="presOf" srcId="{4817A794-4E41-4F1E-B014-3712FB8CBEE3}" destId="{71C2623C-F225-4105-898B-D6F72E89C25A}" srcOrd="0" destOrd="0" presId="urn:microsoft.com/office/officeart/2005/8/layout/hChevron3"/>
-    <dgm:cxn modelId="{DF402503-B6BE-4387-AD9E-5B53FF9E0E8B}" type="presOf" srcId="{1B911186-C6C0-4610-A85A-D98D9CC0EF80}" destId="{82A47268-319D-46F4-8D06-BF4EA91763BC}" srcOrd="0" destOrd="0" presId="urn:microsoft.com/office/officeart/2005/8/layout/hChevron3"/>
-    <dgm:cxn modelId="{45D57C49-B130-49E5-A833-2353B4DD9FC7}" type="presOf" srcId="{F441C939-18E5-4182-9240-ADD42AC24675}" destId="{37F2D1DA-AB64-43FE-98AF-6E7D7A755C4F}" srcOrd="0" destOrd="0" presId="urn:microsoft.com/office/officeart/2005/8/layout/hChevron3"/>
     <dgm:cxn modelId="{50ACE66C-1995-498C-88B4-14F2EB58D154}" type="presParOf" srcId="{71C2623C-F225-4105-898B-D6F72E89C25A}" destId="{90241D68-05F7-4BA6-AE65-5E454A3AC5C8}" srcOrd="0" destOrd="0" presId="urn:microsoft.com/office/officeart/2005/8/layout/hChevron3"/>
     <dgm:cxn modelId="{66A2DF6D-85C1-4BCC-8F68-2E59AC3F1C23}" type="presParOf" srcId="{71C2623C-F225-4105-898B-D6F72E89C25A}" destId="{59089CB7-5787-485C-B2FB-7752803DBA5F}" srcOrd="1" destOrd="0" presId="urn:microsoft.com/office/officeart/2005/8/layout/hChevron3"/>
-    <dgm:cxn modelId="{E8D0C8A9-2B89-4FE8-AEAC-0C74DD5F94FA}" type="presParOf" srcId="{71C2623C-F225-4105-898B-D6F72E89C25A}" destId="{37F2D1DA-AB64-43FE-98AF-6E7D7A755C4F}" srcOrd="2" destOrd="0" presId="urn:microsoft.com/office/officeart/2005/8/layout/hChevron3"/>
-    <dgm:cxn modelId="{018ADB19-49FE-48CC-A217-0681F5DCFB22}" type="presParOf" srcId="{71C2623C-F225-4105-898B-D6F72E89C25A}" destId="{DE72202F-C765-4EBC-BCD8-711F6260E69E}" srcOrd="3" destOrd="0" presId="urn:microsoft.com/office/officeart/2005/8/layout/hChevron3"/>
-    <dgm:cxn modelId="{AA839A86-959A-48E9-BD85-CF0459DDF70A}" type="presParOf" srcId="{71C2623C-F225-4105-898B-D6F72E89C25A}" destId="{82A47268-319D-46F4-8D06-BF4EA91763BC}" srcOrd="4" destOrd="0" presId="urn:microsoft.com/office/officeart/2005/8/layout/hChevron3"/>
-    <dgm:cxn modelId="{E898BE2C-4563-4311-A14B-CDC3A6766233}" type="presParOf" srcId="{71C2623C-F225-4105-898B-D6F72E89C25A}" destId="{97ADF7C7-81C9-4B45-A646-61ED51B1EA44}" srcOrd="5" destOrd="0" presId="urn:microsoft.com/office/officeart/2005/8/layout/hChevron3"/>
-    <dgm:cxn modelId="{3D4C2C62-ED9C-405F-8D18-E2F82010CEE1}" type="presParOf" srcId="{71C2623C-F225-4105-898B-D6F72E89C25A}" destId="{233886AE-F689-4A85-8FB0-245B9B87F087}" srcOrd="6" destOrd="0" presId="urn:microsoft.com/office/officeart/2005/8/layout/hChevron3"/>
-    <dgm:cxn modelId="{FB6F4C0E-261A-4D65-93AD-1ADFD868088C}" type="presParOf" srcId="{71C2623C-F225-4105-898B-D6F72E89C25A}" destId="{777F67B9-53A4-41B7-8C21-508565BCA9AA}" srcOrd="7" destOrd="0" presId="urn:microsoft.com/office/officeart/2005/8/layout/hChevron3"/>
-    <dgm:cxn modelId="{0FA16953-A3CA-49A0-8C78-D4BAA93F29D6}" type="presParOf" srcId="{71C2623C-F225-4105-898B-D6F72E89C25A}" destId="{C7E8294E-FD36-46C7-A3C2-47179F6E0AE6}" srcOrd="8" destOrd="0" presId="urn:microsoft.com/office/officeart/2005/8/layout/hChevron3"/>
+    <dgm:cxn modelId="{BA7A6630-0FA6-42C4-AF63-C7B70FC7D0BE}" type="presParOf" srcId="{71C2623C-F225-4105-898B-D6F72E89C25A}" destId="{98D5E02D-F0C2-4BB3-9E2A-05E581D86E85}" srcOrd="2" destOrd="0" presId="urn:microsoft.com/office/officeart/2005/8/layout/hChevron3"/>
+    <dgm:cxn modelId="{EDEFAC58-C92C-4346-8D18-BBA9A9BE5D66}" type="presParOf" srcId="{71C2623C-F225-4105-898B-D6F72E89C25A}" destId="{B17C1CB8-1FC8-4A6E-B2C0-7C9F9F638DC7}" srcOrd="3" destOrd="0" presId="urn:microsoft.com/office/officeart/2005/8/layout/hChevron3"/>
+    <dgm:cxn modelId="{E8D0C8A9-2B89-4FE8-AEAC-0C74DD5F94FA}" type="presParOf" srcId="{71C2623C-F225-4105-898B-D6F72E89C25A}" destId="{37F2D1DA-AB64-43FE-98AF-6E7D7A755C4F}" srcOrd="4" destOrd="0" presId="urn:microsoft.com/office/officeart/2005/8/layout/hChevron3"/>
+    <dgm:cxn modelId="{018ADB19-49FE-48CC-A217-0681F5DCFB22}" type="presParOf" srcId="{71C2623C-F225-4105-898B-D6F72E89C25A}" destId="{DE72202F-C765-4EBC-BCD8-711F6260E69E}" srcOrd="5" destOrd="0" presId="urn:microsoft.com/office/officeart/2005/8/layout/hChevron3"/>
+    <dgm:cxn modelId="{AA839A86-959A-48E9-BD85-CF0459DDF70A}" type="presParOf" srcId="{71C2623C-F225-4105-898B-D6F72E89C25A}" destId="{82A47268-319D-46F4-8D06-BF4EA91763BC}" srcOrd="6" destOrd="0" presId="urn:microsoft.com/office/officeart/2005/8/layout/hChevron3"/>
+    <dgm:cxn modelId="{E898BE2C-4563-4311-A14B-CDC3A6766233}" type="presParOf" srcId="{71C2623C-F225-4105-898B-D6F72E89C25A}" destId="{97ADF7C7-81C9-4B45-A646-61ED51B1EA44}" srcOrd="7" destOrd="0" presId="urn:microsoft.com/office/officeart/2005/8/layout/hChevron3"/>
+    <dgm:cxn modelId="{3D4C2C62-ED9C-405F-8D18-E2F82010CEE1}" type="presParOf" srcId="{71C2623C-F225-4105-898B-D6F72E89C25A}" destId="{233886AE-F689-4A85-8FB0-245B9B87F087}" srcOrd="8" destOrd="0" presId="urn:microsoft.com/office/officeart/2005/8/layout/hChevron3"/>
+    <dgm:cxn modelId="{FB6F4C0E-261A-4D65-93AD-1ADFD868088C}" type="presParOf" srcId="{71C2623C-F225-4105-898B-D6F72E89C25A}" destId="{777F67B9-53A4-41B7-8C21-508565BCA9AA}" srcOrd="9" destOrd="0" presId="urn:microsoft.com/office/officeart/2005/8/layout/hChevron3"/>
+    <dgm:cxn modelId="{0FA16953-A3CA-49A0-8C78-D4BAA93F29D6}" type="presParOf" srcId="{71C2623C-F225-4105-898B-D6F72E89C25A}" destId="{C7E8294E-FD36-46C7-A3C2-47179F6E0AE6}" srcOrd="10" destOrd="0" presId="urn:microsoft.com/office/officeart/2005/8/layout/hChevron3"/>
   </dgm:cxnLst>
   <dgm:bg/>
   <dgm:whole/>
@@ -4969,8 +5060,8 @@
       </dsp:nvSpPr>
       <dsp:spPr>
         <a:xfrm>
-          <a:off x="1172" y="2074569"/>
-          <a:ext cx="2285935" cy="914374"/>
+          <a:off x="0" y="1287299"/>
+          <a:ext cx="1905811" cy="762324"/>
         </a:xfrm>
         <a:prstGeom prst="homePlate">
           <a:avLst/>
@@ -5011,12 +5102,12 @@
         </a:fontRef>
       </dsp:style>
       <dsp:txBody>
-        <a:bodyPr spcFirstLastPara="0" vert="horz" wrap="square" lIns="90678" tIns="45339" rIns="22670" bIns="45339" numCol="1" spcCol="1270" anchor="ctr" anchorCtr="0">
+        <a:bodyPr spcFirstLastPara="0" vert="horz" wrap="square" lIns="74676" tIns="37338" rIns="18669" bIns="37338" numCol="1" spcCol="1270" anchor="ctr" anchorCtr="0">
           <a:noAutofit/>
         </a:bodyPr>
         <a:lstStyle/>
         <a:p>
-          <a:pPr lvl="0" algn="ctr" defTabSz="755650">
+          <a:pPr lvl="0" algn="ctr" defTabSz="622300">
             <a:lnSpc>
               <a:spcPct val="90000"/>
             </a:lnSpc>
@@ -5028,26 +5119,26 @@
             </a:spcAft>
           </a:pPr>
           <a:r>
-            <a:rPr lang="zh-TW" altLang="en-US" sz="1700" kern="1200" dirty="0" smtClean="0"/>
-            <a:t>資料正規化模組</a:t>
+            <a:rPr lang="zh-TW" altLang="en-US" sz="1400" kern="1200" dirty="0" smtClean="0"/>
+            <a:t>資料產生及路徑產生模組</a:t>
           </a:r>
-          <a:endParaRPr lang="zh-TW" altLang="en-US" sz="1700" kern="1200" dirty="0"/>
+          <a:endParaRPr lang="zh-TW" altLang="en-US" sz="1400" kern="1200" dirty="0"/>
         </a:p>
       </dsp:txBody>
       <dsp:txXfrm>
-        <a:off x="1172" y="2074569"/>
-        <a:ext cx="2057342" cy="914374"/>
+        <a:off x="0" y="1287299"/>
+        <a:ext cx="1715230" cy="762324"/>
       </dsp:txXfrm>
     </dsp:sp>
-    <dsp:sp modelId="{37F2D1DA-AB64-43FE-98AF-6E7D7A755C4F}">
+    <dsp:sp modelId="{98D5E02D-F0C2-4BB3-9E2A-05E581D86E85}">
       <dsp:nvSpPr>
         <dsp:cNvPr id="0" name=""/>
         <dsp:cNvSpPr/>
       </dsp:nvSpPr>
       <dsp:spPr>
         <a:xfrm>
-          <a:off x="1829920" y="2074569"/>
-          <a:ext cx="2285935" cy="914374"/>
+          <a:off x="1525812" y="1303704"/>
+          <a:ext cx="1905811" cy="762324"/>
         </a:xfrm>
         <a:prstGeom prst="chevron">
           <a:avLst/>
@@ -5088,12 +5179,12 @@
         </a:fontRef>
       </dsp:style>
       <dsp:txBody>
-        <a:bodyPr spcFirstLastPara="0" vert="horz" wrap="square" lIns="68009" tIns="45339" rIns="22670" bIns="45339" numCol="1" spcCol="1270" anchor="ctr" anchorCtr="0">
+        <a:bodyPr spcFirstLastPara="0" vert="horz" wrap="square" lIns="56007" tIns="37338" rIns="18669" bIns="37338" numCol="1" spcCol="1270" anchor="ctr" anchorCtr="0">
           <a:noAutofit/>
         </a:bodyPr>
         <a:lstStyle/>
         <a:p>
-          <a:pPr lvl="0" algn="ctr" defTabSz="755650">
+          <a:pPr lvl="0" algn="ctr" defTabSz="622300">
             <a:lnSpc>
               <a:spcPct val="90000"/>
             </a:lnSpc>
@@ -5105,80 +5196,26 @@
             </a:spcAft>
           </a:pPr>
           <a:r>
-            <a:rPr lang="zh-TW" altLang="en-US" sz="1700" kern="1200" dirty="0" smtClean="0"/>
-            <a:t>訓練</a:t>
+            <a:rPr lang="zh-TW" altLang="en-US" sz="1400" kern="1200" dirty="0" smtClean="0"/>
+            <a:t>資料正規化模組</a:t>
           </a:r>
-          <a:r>
-            <a:rPr lang="zh-TW" altLang="en-US" sz="1700" kern="1200" dirty="0" smtClean="0"/>
-            <a:t>模組</a:t>
-          </a:r>
-          <a:endParaRPr lang="en-US" altLang="zh-TW" sz="1700" kern="1200" dirty="0" smtClean="0"/>
-        </a:p>
-        <a:p>
-          <a:pPr lvl="0" algn="ctr" defTabSz="755650">
-            <a:lnSpc>
-              <a:spcPct val="90000"/>
-            </a:lnSpc>
-            <a:spcBef>
-              <a:spcPct val="0"/>
-            </a:spcBef>
-            <a:spcAft>
-              <a:spcPct val="35000"/>
-            </a:spcAft>
-          </a:pPr>
-          <a:r>
-            <a:rPr lang="en-US" altLang="zh-TW" sz="1700" kern="1200" dirty="0" smtClean="0"/>
-            <a:t>KNN</a:t>
-          </a:r>
-          <a:r>
-            <a:rPr lang="zh-TW" altLang="en-US" sz="1700" kern="1200" dirty="0" smtClean="0"/>
-            <a:t> </a:t>
-          </a:r>
-          <a:r>
-            <a:rPr lang="en-US" altLang="zh-TW" sz="1700" kern="1200" dirty="0" smtClean="0"/>
-            <a:t>/</a:t>
-          </a:r>
-          <a:r>
-            <a:rPr lang="zh-TW" altLang="en-US" sz="1700" kern="1200" dirty="0" smtClean="0"/>
-            <a:t> </a:t>
-          </a:r>
-          <a:r>
-            <a:rPr lang="en-US" altLang="zh-TW" sz="1700" kern="1200" dirty="0" smtClean="0"/>
-            <a:t>SVM</a:t>
-          </a:r>
-          <a:r>
-            <a:rPr lang="zh-TW" altLang="en-US" sz="1700" kern="1200" dirty="0" smtClean="0"/>
-            <a:t> </a:t>
-          </a:r>
-          <a:r>
-            <a:rPr lang="en-US" altLang="zh-TW" sz="1700" kern="1200" dirty="0" smtClean="0"/>
-            <a:t>/</a:t>
-          </a:r>
-          <a:r>
-            <a:rPr lang="zh-TW" altLang="en-US" sz="1700" kern="1200" dirty="0" smtClean="0"/>
-            <a:t> </a:t>
-          </a:r>
-          <a:r>
-            <a:rPr lang="en-US" altLang="zh-TW" sz="1700" kern="1200" dirty="0" smtClean="0"/>
-            <a:t>HMM</a:t>
-          </a:r>
-          <a:endParaRPr lang="zh-TW" altLang="en-US" sz="1700" kern="1200" dirty="0"/>
+          <a:endParaRPr lang="zh-TW" altLang="en-US" sz="1400" kern="1200" dirty="0"/>
         </a:p>
       </dsp:txBody>
       <dsp:txXfrm>
-        <a:off x="2287107" y="2074569"/>
-        <a:ext cx="1371561" cy="914374"/>
+        <a:off x="1906974" y="1303704"/>
+        <a:ext cx="1143487" cy="762324"/>
       </dsp:txXfrm>
     </dsp:sp>
-    <dsp:sp modelId="{82A47268-319D-46F4-8D06-BF4EA91763BC}">
+    <dsp:sp modelId="{37F2D1DA-AB64-43FE-98AF-6E7D7A755C4F}">
       <dsp:nvSpPr>
         <dsp:cNvPr id="0" name=""/>
         <dsp:cNvSpPr/>
       </dsp:nvSpPr>
       <dsp:spPr>
         <a:xfrm>
-          <a:off x="3658669" y="2074569"/>
-          <a:ext cx="2285935" cy="914374"/>
+          <a:off x="3050461" y="1303704"/>
+          <a:ext cx="1905811" cy="762324"/>
         </a:xfrm>
         <a:prstGeom prst="chevron">
           <a:avLst/>
@@ -5219,12 +5256,12 @@
         </a:fontRef>
       </dsp:style>
       <dsp:txBody>
-        <a:bodyPr spcFirstLastPara="0" vert="horz" wrap="square" lIns="68009" tIns="45339" rIns="22670" bIns="45339" numCol="1" spcCol="1270" anchor="ctr" anchorCtr="0">
+        <a:bodyPr spcFirstLastPara="0" vert="horz" wrap="square" lIns="56007" tIns="37338" rIns="18669" bIns="37338" numCol="1" spcCol="1270" anchor="ctr" anchorCtr="0">
           <a:noAutofit/>
         </a:bodyPr>
         <a:lstStyle/>
         <a:p>
-          <a:pPr lvl="0" algn="ctr" defTabSz="755650">
+          <a:pPr lvl="0" algn="ctr" defTabSz="622300">
             <a:lnSpc>
               <a:spcPct val="90000"/>
             </a:lnSpc>
@@ -5236,26 +5273,76 @@
             </a:spcAft>
           </a:pPr>
           <a:r>
-            <a:rPr lang="zh-TW" altLang="en-US" sz="1700" kern="1200" dirty="0" smtClean="0"/>
-            <a:t>比賽資訊偵測模組</a:t>
+            <a:rPr lang="zh-TW" altLang="en-US" sz="1400" kern="1200" dirty="0" smtClean="0"/>
+            <a:t>訓練模組</a:t>
           </a:r>
-          <a:endParaRPr lang="zh-TW" altLang="en-US" sz="1700" kern="1200" dirty="0"/>
+          <a:endParaRPr lang="en-US" altLang="zh-TW" sz="1400" kern="1200" dirty="0" smtClean="0"/>
+        </a:p>
+        <a:p>
+          <a:pPr lvl="0" algn="ctr" defTabSz="622300">
+            <a:lnSpc>
+              <a:spcPct val="90000"/>
+            </a:lnSpc>
+            <a:spcBef>
+              <a:spcPct val="0"/>
+            </a:spcBef>
+            <a:spcAft>
+              <a:spcPct val="35000"/>
+            </a:spcAft>
+          </a:pPr>
+          <a:r>
+            <a:rPr lang="en-US" altLang="zh-TW" sz="1400" kern="1200" dirty="0" smtClean="0"/>
+            <a:t>KNN</a:t>
+          </a:r>
+          <a:r>
+            <a:rPr lang="zh-TW" altLang="en-US" sz="1400" kern="1200" dirty="0" smtClean="0"/>
+            <a:t> </a:t>
+          </a:r>
+          <a:r>
+            <a:rPr lang="en-US" altLang="zh-TW" sz="1400" kern="1200" dirty="0" smtClean="0"/>
+            <a:t>/</a:t>
+          </a:r>
+          <a:r>
+            <a:rPr lang="zh-TW" altLang="en-US" sz="1400" kern="1200" dirty="0" smtClean="0"/>
+            <a:t> </a:t>
+          </a:r>
+          <a:r>
+            <a:rPr lang="en-US" altLang="zh-TW" sz="1400" kern="1200" dirty="0" smtClean="0"/>
+            <a:t>SVM</a:t>
+          </a:r>
+          <a:r>
+            <a:rPr lang="zh-TW" altLang="en-US" sz="1400" kern="1200" dirty="0" smtClean="0"/>
+            <a:t> </a:t>
+          </a:r>
+          <a:r>
+            <a:rPr lang="en-US" altLang="zh-TW" sz="1400" kern="1200" dirty="0" smtClean="0"/>
+            <a:t>/</a:t>
+          </a:r>
+          <a:r>
+            <a:rPr lang="zh-TW" altLang="en-US" sz="1400" kern="1200" dirty="0" smtClean="0"/>
+            <a:t> </a:t>
+          </a:r>
+          <a:r>
+            <a:rPr lang="en-US" altLang="zh-TW" sz="1400" kern="1200" dirty="0" smtClean="0"/>
+            <a:t>HMM</a:t>
+          </a:r>
+          <a:endParaRPr lang="zh-TW" altLang="en-US" sz="1400" kern="1200" dirty="0"/>
         </a:p>
       </dsp:txBody>
       <dsp:txXfrm>
-        <a:off x="4115856" y="2074569"/>
-        <a:ext cx="1371561" cy="914374"/>
+        <a:off x="3431623" y="1303704"/>
+        <a:ext cx="1143487" cy="762324"/>
       </dsp:txXfrm>
     </dsp:sp>
-    <dsp:sp modelId="{233886AE-F689-4A85-8FB0-245B9B87F087}">
+    <dsp:sp modelId="{82A47268-319D-46F4-8D06-BF4EA91763BC}">
       <dsp:nvSpPr>
         <dsp:cNvPr id="0" name=""/>
         <dsp:cNvSpPr/>
       </dsp:nvSpPr>
       <dsp:spPr>
         <a:xfrm>
-          <a:off x="5906005" y="1617382"/>
-          <a:ext cx="2285935" cy="914374"/>
+          <a:off x="4575110" y="1303704"/>
+          <a:ext cx="1905811" cy="762324"/>
         </a:xfrm>
         <a:prstGeom prst="chevron">
           <a:avLst/>
@@ -5296,12 +5383,12 @@
         </a:fontRef>
       </dsp:style>
       <dsp:txBody>
-        <a:bodyPr spcFirstLastPara="0" vert="horz" wrap="square" lIns="68009" tIns="45339" rIns="22670" bIns="45339" numCol="1" spcCol="1270" anchor="ctr" anchorCtr="0">
+        <a:bodyPr spcFirstLastPara="0" vert="horz" wrap="square" lIns="56007" tIns="37338" rIns="18669" bIns="37338" numCol="1" spcCol="1270" anchor="ctr" anchorCtr="0">
           <a:noAutofit/>
         </a:bodyPr>
         <a:lstStyle/>
         <a:p>
-          <a:pPr lvl="0" algn="ctr" defTabSz="755650">
+          <a:pPr lvl="0" algn="ctr" defTabSz="622300">
             <a:lnSpc>
               <a:spcPct val="90000"/>
             </a:lnSpc>
@@ -5313,26 +5400,26 @@
             </a:spcAft>
           </a:pPr>
           <a:r>
-            <a:rPr lang="zh-TW" altLang="en-US" sz="1700" kern="1200" dirty="0" smtClean="0"/>
-            <a:t>斜率控制模組</a:t>
+            <a:rPr lang="zh-TW" altLang="en-US" sz="1400" kern="1200" dirty="0" smtClean="0"/>
+            <a:t>比賽資訊偵測模組</a:t>
           </a:r>
-          <a:endParaRPr lang="zh-TW" altLang="en-US" sz="1700" kern="1200" dirty="0"/>
+          <a:endParaRPr lang="zh-TW" altLang="en-US" sz="1400" kern="1200" dirty="0"/>
         </a:p>
       </dsp:txBody>
       <dsp:txXfrm>
-        <a:off x="6363192" y="1617382"/>
-        <a:ext cx="1371561" cy="914374"/>
+        <a:off x="4956272" y="1303704"/>
+        <a:ext cx="1143487" cy="762324"/>
       </dsp:txXfrm>
     </dsp:sp>
-    <dsp:sp modelId="{C7E8294E-FD36-46C7-A3C2-47179F6E0AE6}">
+    <dsp:sp modelId="{233886AE-F689-4A85-8FB0-245B9B87F087}">
       <dsp:nvSpPr>
         <dsp:cNvPr id="0" name=""/>
         <dsp:cNvSpPr/>
       </dsp:nvSpPr>
       <dsp:spPr>
         <a:xfrm>
-          <a:off x="5905607" y="2540241"/>
-          <a:ext cx="2285935" cy="914374"/>
+          <a:off x="7048129" y="0"/>
+          <a:ext cx="1905811" cy="762324"/>
         </a:xfrm>
         <a:prstGeom prst="chevron">
           <a:avLst/>
@@ -5373,12 +5460,12 @@
         </a:fontRef>
       </dsp:style>
       <dsp:txBody>
-        <a:bodyPr spcFirstLastPara="0" vert="horz" wrap="square" lIns="68009" tIns="45339" rIns="22670" bIns="45339" numCol="1" spcCol="1270" anchor="ctr" anchorCtr="0">
+        <a:bodyPr spcFirstLastPara="0" vert="horz" wrap="square" lIns="56007" tIns="37338" rIns="18669" bIns="37338" numCol="1" spcCol="1270" anchor="ctr" anchorCtr="0">
           <a:noAutofit/>
         </a:bodyPr>
         <a:lstStyle/>
         <a:p>
-          <a:pPr lvl="0" algn="ctr" defTabSz="755650">
+          <a:pPr lvl="0" algn="ctr" defTabSz="622300">
             <a:lnSpc>
               <a:spcPct val="90000"/>
             </a:lnSpc>
@@ -5390,15 +5477,92 @@
             </a:spcAft>
           </a:pPr>
           <a:r>
-            <a:rPr lang="zh-TW" altLang="en-US" sz="1700" kern="1200" dirty="0" smtClean="0"/>
-            <a:t>速度控制模組</a:t>
+            <a:rPr lang="zh-TW" altLang="en-US" sz="1400" kern="1200" dirty="0" smtClean="0"/>
+            <a:t>斜率控制模組</a:t>
           </a:r>
-          <a:endParaRPr lang="zh-TW" altLang="en-US" sz="1700" kern="1200" dirty="0"/>
+          <a:endParaRPr lang="zh-TW" altLang="en-US" sz="1400" kern="1200" dirty="0"/>
         </a:p>
       </dsp:txBody>
       <dsp:txXfrm>
-        <a:off x="6362794" y="2540241"/>
-        <a:ext cx="1371561" cy="914374"/>
+        <a:off x="7429291" y="0"/>
+        <a:ext cx="1143487" cy="762324"/>
+      </dsp:txXfrm>
+    </dsp:sp>
+    <dsp:sp modelId="{C7E8294E-FD36-46C7-A3C2-47179F6E0AE6}">
+      <dsp:nvSpPr>
+        <dsp:cNvPr id="0" name=""/>
+        <dsp:cNvSpPr/>
+      </dsp:nvSpPr>
+      <dsp:spPr>
+        <a:xfrm>
+          <a:off x="7043936" y="787824"/>
+          <a:ext cx="1905811" cy="762324"/>
+        </a:xfrm>
+        <a:prstGeom prst="chevron">
+          <a:avLst/>
+        </a:prstGeom>
+        <a:solidFill>
+          <a:schemeClr val="accent1">
+            <a:hueOff val="0"/>
+            <a:satOff val="0"/>
+            <a:lumOff val="0"/>
+            <a:alphaOff val="0"/>
+          </a:schemeClr>
+        </a:solidFill>
+        <a:ln w="15875" cap="flat" cmpd="sng" algn="ctr">
+          <a:solidFill>
+            <a:schemeClr val="lt1">
+              <a:hueOff val="0"/>
+              <a:satOff val="0"/>
+              <a:lumOff val="0"/>
+              <a:alphaOff val="0"/>
+            </a:schemeClr>
+          </a:solidFill>
+          <a:prstDash val="solid"/>
+        </a:ln>
+        <a:effectLst/>
+      </dsp:spPr>
+      <dsp:style>
+        <a:lnRef idx="2">
+          <a:scrgbClr r="0" g="0" b="0"/>
+        </a:lnRef>
+        <a:fillRef idx="1">
+          <a:scrgbClr r="0" g="0" b="0"/>
+        </a:fillRef>
+        <a:effectRef idx="0">
+          <a:scrgbClr r="0" g="0" b="0"/>
+        </a:effectRef>
+        <a:fontRef idx="minor">
+          <a:schemeClr val="lt1"/>
+        </a:fontRef>
+      </dsp:style>
+      <dsp:txBody>
+        <a:bodyPr spcFirstLastPara="0" vert="horz" wrap="square" lIns="56007" tIns="37338" rIns="18669" bIns="37338" numCol="1" spcCol="1270" anchor="ctr" anchorCtr="0">
+          <a:noAutofit/>
+        </a:bodyPr>
+        <a:lstStyle/>
+        <a:p>
+          <a:pPr lvl="0" algn="ctr" defTabSz="622300">
+            <a:lnSpc>
+              <a:spcPct val="90000"/>
+            </a:lnSpc>
+            <a:spcBef>
+              <a:spcPct val="0"/>
+            </a:spcBef>
+            <a:spcAft>
+              <a:spcPct val="35000"/>
+            </a:spcAft>
+          </a:pPr>
+          <a:r>
+            <a:rPr lang="zh-TW" altLang="en-US" sz="1400" kern="1200" dirty="0" smtClean="0"/>
+            <a:t>速度控制模組</a:t>
+          </a:r>
+          <a:endParaRPr lang="zh-TW" altLang="en-US" sz="1400" kern="1200" dirty="0"/>
+        </a:p>
+      </dsp:txBody>
+      <dsp:txXfrm>
+        <a:off x="7425098" y="787824"/>
+        <a:ext cx="1143487" cy="762324"/>
       </dsp:txXfrm>
     </dsp:sp>
   </dsp:spTree>
@@ -12601,6 +12765,107 @@
           <a:chExt cx="0" cy="0"/>
         </a:xfrm>
       </p:grpSpPr>
+      <p:grpSp>
+        <p:nvGrpSpPr>
+          <p:cNvPr id="19" name="群組 18"/>
+          <p:cNvGrpSpPr/>
+          <p:nvPr/>
+        </p:nvGrpSpPr>
+        <p:grpSpPr>
+          <a:xfrm flipV="1">
+            <a:off x="7373421" y="2836332"/>
+            <a:ext cx="1177912" cy="652970"/>
+            <a:chOff x="7474195" y="4114800"/>
+            <a:chExt cx="1854200" cy="1600201"/>
+          </a:xfrm>
+        </p:grpSpPr>
+        <p:sp>
+          <p:nvSpPr>
+            <p:cNvPr id="20" name="向右箭號 19"/>
+            <p:cNvSpPr/>
+            <p:nvPr/>
+          </p:nvSpPr>
+          <p:spPr>
+            <a:xfrm>
+              <a:off x="7474195" y="5350934"/>
+              <a:ext cx="1854200" cy="364067"/>
+            </a:xfrm>
+            <a:prstGeom prst="rightArrow">
+              <a:avLst/>
+            </a:prstGeom>
+            <a:ln>
+              <a:noFill/>
+            </a:ln>
+          </p:spPr>
+          <p:style>
+            <a:lnRef idx="2">
+              <a:schemeClr val="accent1">
+                <a:shade val="50000"/>
+              </a:schemeClr>
+            </a:lnRef>
+            <a:fillRef idx="1">
+              <a:schemeClr val="accent1"/>
+            </a:fillRef>
+            <a:effectRef idx="0">
+              <a:schemeClr val="accent1"/>
+            </a:effectRef>
+            <a:fontRef idx="minor">
+              <a:schemeClr val="lt1"/>
+            </a:fontRef>
+          </p:style>
+          <p:txBody>
+            <a:bodyPr rtlCol="0" anchor="ctr"/>
+            <a:lstStyle/>
+            <a:p>
+              <a:pPr algn="ctr"/>
+              <a:endParaRPr lang="zh-TW" altLang="en-US"/>
+            </a:p>
+          </p:txBody>
+        </p:sp>
+        <p:sp>
+          <p:nvSpPr>
+            <p:cNvPr id="21" name="矩形 20"/>
+            <p:cNvSpPr/>
+            <p:nvPr/>
+          </p:nvSpPr>
+          <p:spPr>
+            <a:xfrm>
+              <a:off x="7474195" y="4114800"/>
+              <a:ext cx="205072" cy="1490133"/>
+            </a:xfrm>
+            <a:prstGeom prst="rect">
+              <a:avLst/>
+            </a:prstGeom>
+            <a:ln>
+              <a:noFill/>
+            </a:ln>
+          </p:spPr>
+          <p:style>
+            <a:lnRef idx="2">
+              <a:schemeClr val="accent1">
+                <a:shade val="50000"/>
+              </a:schemeClr>
+            </a:lnRef>
+            <a:fillRef idx="1">
+              <a:schemeClr val="accent1"/>
+            </a:fillRef>
+            <a:effectRef idx="0">
+              <a:schemeClr val="accent1"/>
+            </a:effectRef>
+            <a:fontRef idx="minor">
+              <a:schemeClr val="lt1"/>
+            </a:fontRef>
+          </p:style>
+          <p:txBody>
+            <a:bodyPr rtlCol="0" anchor="ctr"/>
+            <a:lstStyle/>
+            <a:p>
+              <a:pPr algn="ctr"/>
+              <a:endParaRPr lang="zh-TW" altLang="en-US"/>
+            </a:p>
+          </p:txBody>
+        </p:sp>
+      </p:grpSp>
       <p:sp>
         <p:nvSpPr>
           <p:cNvPr id="2" name="標題 1"/>
@@ -12624,38 +12889,182 @@
           </a:p>
         </p:txBody>
       </p:sp>
-      <p:graphicFrame>
-        <p:nvGraphicFramePr>
-          <p:cNvPr id="4" name="資料庫圖表 3"/>
-          <p:cNvGraphicFramePr/>
-          <p:nvPr>
-            <p:extLst>
-              <p:ext uri="{D42A27DB-BD31-4B8C-83A1-F6EECF244321}">
-                <p14:modId xmlns:p14="http://schemas.microsoft.com/office/powerpoint/2010/main" val="2097450821"/>
-              </p:ext>
-            </p:extLst>
-          </p:nvPr>
-        </p:nvGraphicFramePr>
-        <p:xfrm>
-          <a:off x="1451579" y="1853754"/>
-          <a:ext cx="9603275" cy="5063513"/>
-        </p:xfrm>
-        <a:graphic>
-          <a:graphicData uri="http://schemas.openxmlformats.org/drawingml/2006/diagram">
-            <dgm:relIds xmlns:dgm="http://schemas.openxmlformats.org/drawingml/2006/diagram" xmlns:r="http://schemas.openxmlformats.org/officeDocument/2006/relationships" r:dm="rId2" r:lo="rId3" r:qs="rId4" r:cs="rId5"/>
-          </a:graphicData>
-        </a:graphic>
-      </p:graphicFrame>
+      <p:grpSp>
+        <p:nvGrpSpPr>
+          <p:cNvPr id="5" name="群組 4"/>
+          <p:cNvGrpSpPr/>
+          <p:nvPr/>
+        </p:nvGrpSpPr>
+        <p:grpSpPr>
+          <a:xfrm>
+            <a:off x="1451579" y="2133599"/>
+            <a:ext cx="9531383" cy="3369734"/>
+            <a:chOff x="3432780" y="2218266"/>
+            <a:chExt cx="8477208" cy="4415590"/>
+          </a:xfrm>
+        </p:grpSpPr>
+        <p:graphicFrame>
+          <p:nvGraphicFramePr>
+            <p:cNvPr id="4" name="資料庫圖表 3"/>
+            <p:cNvGraphicFramePr/>
+            <p:nvPr>
+              <p:extLst>
+                <p:ext uri="{D42A27DB-BD31-4B8C-83A1-F6EECF244321}">
+                  <p14:modId xmlns:p14="http://schemas.microsoft.com/office/powerpoint/2010/main" val="177718091"/>
+                </p:ext>
+              </p:extLst>
+            </p:nvPr>
+          </p:nvGraphicFramePr>
+          <p:xfrm>
+            <a:off x="3432780" y="2218266"/>
+            <a:ext cx="8477208" cy="4415590"/>
+          </p:xfrm>
+          <a:graphic>
+            <a:graphicData uri="http://schemas.openxmlformats.org/drawingml/2006/diagram">
+              <dgm:relIds xmlns:dgm="http://schemas.openxmlformats.org/drawingml/2006/diagram" xmlns:r="http://schemas.openxmlformats.org/officeDocument/2006/relationships" r:dm="rId2" r:lo="rId3" r:qs="rId4" r:cs="rId5"/>
+            </a:graphicData>
+          </a:graphic>
+        </p:graphicFrame>
+        <p:sp>
+          <p:nvSpPr>
+            <p:cNvPr id="30" name="文字方塊 29"/>
+            <p:cNvSpPr txBox="1"/>
+            <p:nvPr/>
+          </p:nvSpPr>
+          <p:spPr>
+            <a:xfrm>
+              <a:off x="5717087" y="2754136"/>
+              <a:ext cx="939802" cy="307777"/>
+            </a:xfrm>
+            <a:prstGeom prst="rect">
+              <a:avLst/>
+            </a:prstGeom>
+            <a:noFill/>
+          </p:spPr>
+          <p:txBody>
+            <a:bodyPr wrap="square" rtlCol="0">
+              <a:spAutoFit/>
+            </a:bodyPr>
+            <a:lstStyle/>
+            <a:p>
+              <a:r>
+                <a:rPr lang="zh-TW" altLang="en-US" sz="1400" dirty="0" smtClean="0"/>
+                <a:t>特徵值</a:t>
+              </a:r>
+              <a:endParaRPr lang="zh-TW" altLang="en-US" sz="1400" dirty="0"/>
+            </a:p>
+          </p:txBody>
+        </p:sp>
+        <p:sp>
+          <p:nvSpPr>
+            <p:cNvPr id="31" name="文字方塊 30"/>
+            <p:cNvSpPr txBox="1"/>
+            <p:nvPr/>
+          </p:nvSpPr>
+          <p:spPr>
+            <a:xfrm>
+              <a:off x="7127853" y="2735654"/>
+              <a:ext cx="939802" cy="307777"/>
+            </a:xfrm>
+            <a:prstGeom prst="rect">
+              <a:avLst/>
+            </a:prstGeom>
+            <a:noFill/>
+          </p:spPr>
+          <p:txBody>
+            <a:bodyPr wrap="square" rtlCol="0">
+              <a:spAutoFit/>
+            </a:bodyPr>
+            <a:lstStyle/>
+            <a:p>
+              <a:r>
+                <a:rPr lang="zh-TW" altLang="en-US" sz="1400" dirty="0" smtClean="0"/>
+                <a:t>分類結果</a:t>
+              </a:r>
+              <a:endParaRPr lang="zh-TW" altLang="en-US" sz="1400" dirty="0"/>
+            </a:p>
+          </p:txBody>
+        </p:sp>
+        <p:sp>
+          <p:nvSpPr>
+            <p:cNvPr id="32" name="文字方塊 31"/>
+            <p:cNvSpPr txBox="1"/>
+            <p:nvPr/>
+          </p:nvSpPr>
+          <p:spPr>
+            <a:xfrm>
+              <a:off x="8577406" y="2506616"/>
+              <a:ext cx="1477680" cy="685610"/>
+            </a:xfrm>
+            <a:prstGeom prst="rect">
+              <a:avLst/>
+            </a:prstGeom>
+            <a:noFill/>
+          </p:spPr>
+          <p:txBody>
+            <a:bodyPr wrap="square" rtlCol="0">
+              <a:spAutoFit/>
+            </a:bodyPr>
+            <a:lstStyle/>
+            <a:p>
+              <a:r>
+                <a:rPr lang="zh-TW" altLang="en-US" sz="1400" dirty="0" smtClean="0"/>
+                <a:t>球的速度及</a:t>
+              </a:r>
+              <a:r>
+                <a:rPr lang="zh-TW" altLang="en-US" sz="1400" dirty="0" smtClean="0"/>
+                <a:t>斜率為非理想</a:t>
+              </a:r>
+              <a:endParaRPr lang="zh-TW" altLang="en-US" sz="1400" dirty="0"/>
+            </a:p>
+          </p:txBody>
+        </p:sp>
+        <p:sp>
+          <p:nvSpPr>
+            <p:cNvPr id="8" name="文字方塊 7"/>
+            <p:cNvSpPr txBox="1"/>
+            <p:nvPr/>
+          </p:nvSpPr>
+          <p:spPr>
+            <a:xfrm>
+              <a:off x="4345122" y="2754136"/>
+              <a:ext cx="1267386" cy="307777"/>
+            </a:xfrm>
+            <a:prstGeom prst="rect">
+              <a:avLst/>
+            </a:prstGeom>
+            <a:noFill/>
+          </p:spPr>
+          <p:txBody>
+            <a:bodyPr wrap="square" rtlCol="0">
+              <a:spAutoFit/>
+            </a:bodyPr>
+            <a:lstStyle/>
+            <a:p>
+              <a:pPr lvl="0"/>
+              <a:r>
+                <a:rPr lang="zh-TW" altLang="en-US" sz="1400" dirty="0" smtClean="0"/>
+                <a:t>經篩選</a:t>
+              </a:r>
+              <a:r>
+                <a:rPr lang="zh-TW" altLang="en-US" sz="1400" dirty="0"/>
+                <a:t>之資料</a:t>
+              </a:r>
+              <a:endParaRPr lang="zh-TW" altLang="en-US" sz="1400" dirty="0"/>
+            </a:p>
+          </p:txBody>
+        </p:sp>
+      </p:grpSp>
       <p:sp>
         <p:nvSpPr>
-          <p:cNvPr id="30" name="文字方塊 29"/>
+          <p:cNvPr id="9" name="文字方塊 8"/>
           <p:cNvSpPr txBox="1"/>
           <p:nvPr/>
         </p:nvSpPr>
         <p:spPr>
           <a:xfrm>
-            <a:off x="2929466" y="3530600"/>
-            <a:ext cx="1202267" cy="369332"/>
+            <a:off x="10995935" y="3144410"/>
+            <a:ext cx="1292084" cy="307777"/>
           </a:xfrm>
           <a:prstGeom prst="rect">
             <a:avLst/>
@@ -12669,23 +13078,23 @@
           <a:lstStyle/>
           <a:p>
             <a:r>
-              <a:rPr lang="zh-TW" altLang="en-US" dirty="0" smtClean="0"/>
-              <a:t>特徵值</a:t>
-            </a:r>
-            <a:endParaRPr lang="zh-TW" altLang="en-US" dirty="0"/>
+              <a:rPr lang="zh-TW" altLang="en-US" sz="1400" dirty="0" smtClean="0"/>
+              <a:t>平板晃動方向</a:t>
+            </a:r>
+            <a:endParaRPr lang="zh-TW" altLang="en-US" sz="1400" dirty="0"/>
           </a:p>
         </p:txBody>
       </p:sp>
       <p:sp>
         <p:nvSpPr>
-          <p:cNvPr id="31" name="文字方塊 30"/>
+          <p:cNvPr id="18" name="文字方塊 17"/>
           <p:cNvSpPr txBox="1"/>
           <p:nvPr/>
         </p:nvSpPr>
         <p:spPr>
           <a:xfrm>
-            <a:off x="4449815" y="3547534"/>
-            <a:ext cx="1202267" cy="369332"/>
+            <a:off x="11054854" y="3841014"/>
+            <a:ext cx="1302330" cy="307777"/>
           </a:xfrm>
           <a:prstGeom prst="rect">
             <a:avLst/>
@@ -12699,23 +13108,657 @@
           <a:lstStyle/>
           <a:p>
             <a:r>
-              <a:rPr lang="zh-TW" altLang="en-US" dirty="0" smtClean="0"/>
-              <a:t>分類結果</a:t>
-            </a:r>
-            <a:endParaRPr lang="zh-TW" altLang="en-US" dirty="0"/>
+              <a:rPr lang="zh-TW" altLang="en-US" sz="1400" dirty="0" smtClean="0"/>
+              <a:t>平板移動位置</a:t>
+            </a:r>
+            <a:endParaRPr lang="zh-TW" altLang="en-US" sz="1400" dirty="0"/>
           </a:p>
         </p:txBody>
       </p:sp>
+      <p:grpSp>
+        <p:nvGrpSpPr>
+          <p:cNvPr id="23" name="群組 22"/>
+          <p:cNvGrpSpPr/>
+          <p:nvPr/>
+        </p:nvGrpSpPr>
+        <p:grpSpPr>
+          <a:xfrm>
+            <a:off x="10112204" y="2539627"/>
+            <a:ext cx="1173863" cy="806919"/>
+            <a:chOff x="7438557" y="474133"/>
+            <a:chExt cx="1182718" cy="806919"/>
+          </a:xfrm>
+        </p:grpSpPr>
+        <p:grpSp>
+          <p:nvGrpSpPr>
+            <p:cNvPr id="17" name="群組 16"/>
+            <p:cNvGrpSpPr/>
+            <p:nvPr/>
+          </p:nvGrpSpPr>
+          <p:grpSpPr>
+            <a:xfrm>
+              <a:off x="7438557" y="474133"/>
+              <a:ext cx="723310" cy="806919"/>
+              <a:chOff x="7438557" y="474133"/>
+              <a:chExt cx="723310" cy="806919"/>
+            </a:xfrm>
+          </p:grpSpPr>
+          <p:sp>
+            <p:nvSpPr>
+              <p:cNvPr id="15" name="矩形 14"/>
+              <p:cNvSpPr/>
+              <p:nvPr/>
+            </p:nvSpPr>
+            <p:spPr>
+              <a:xfrm>
+                <a:off x="7438558" y="474133"/>
+                <a:ext cx="723309" cy="186267"/>
+              </a:xfrm>
+              <a:prstGeom prst="rect">
+                <a:avLst/>
+              </a:prstGeom>
+              <a:ln>
+                <a:noFill/>
+              </a:ln>
+            </p:spPr>
+            <p:style>
+              <a:lnRef idx="2">
+                <a:schemeClr val="accent1">
+                  <a:shade val="50000"/>
+                </a:schemeClr>
+              </a:lnRef>
+              <a:fillRef idx="1">
+                <a:schemeClr val="accent1"/>
+              </a:fillRef>
+              <a:effectRef idx="0">
+                <a:schemeClr val="accent1"/>
+              </a:effectRef>
+              <a:fontRef idx="minor">
+                <a:schemeClr val="lt1"/>
+              </a:fontRef>
+            </p:style>
+            <p:txBody>
+              <a:bodyPr rtlCol="0" anchor="ctr"/>
+              <a:lstStyle/>
+              <a:p>
+                <a:pPr algn="ctr"/>
+                <a:endParaRPr lang="zh-TW" altLang="en-US"/>
+              </a:p>
+            </p:txBody>
+          </p:sp>
+          <p:sp>
+            <p:nvSpPr>
+              <p:cNvPr id="16" name="矩形 15"/>
+              <p:cNvSpPr/>
+              <p:nvPr/>
+            </p:nvSpPr>
+            <p:spPr>
+              <a:xfrm>
+                <a:off x="7998228" y="660400"/>
+                <a:ext cx="160866" cy="504411"/>
+              </a:xfrm>
+              <a:prstGeom prst="rect">
+                <a:avLst/>
+              </a:prstGeom>
+              <a:ln>
+                <a:noFill/>
+              </a:ln>
+            </p:spPr>
+            <p:style>
+              <a:lnRef idx="2">
+                <a:schemeClr val="accent1">
+                  <a:shade val="50000"/>
+                </a:schemeClr>
+              </a:lnRef>
+              <a:fillRef idx="1">
+                <a:schemeClr val="accent1"/>
+              </a:fillRef>
+              <a:effectRef idx="0">
+                <a:schemeClr val="accent1"/>
+              </a:effectRef>
+              <a:fontRef idx="minor">
+                <a:schemeClr val="lt1"/>
+              </a:fontRef>
+            </p:style>
+            <p:txBody>
+              <a:bodyPr rtlCol="0" anchor="ctr"/>
+              <a:lstStyle/>
+              <a:p>
+                <a:pPr algn="ctr"/>
+                <a:endParaRPr lang="zh-TW" altLang="en-US"/>
+              </a:p>
+            </p:txBody>
+          </p:sp>
+          <p:sp>
+            <p:nvSpPr>
+              <p:cNvPr id="24" name="矩形 23"/>
+              <p:cNvSpPr/>
+              <p:nvPr/>
+            </p:nvSpPr>
+            <p:spPr>
+              <a:xfrm>
+                <a:off x="7438557" y="1094785"/>
+                <a:ext cx="723309" cy="186267"/>
+              </a:xfrm>
+              <a:prstGeom prst="rect">
+                <a:avLst/>
+              </a:prstGeom>
+              <a:ln>
+                <a:noFill/>
+              </a:ln>
+            </p:spPr>
+            <p:style>
+              <a:lnRef idx="2">
+                <a:schemeClr val="accent1">
+                  <a:shade val="50000"/>
+                </a:schemeClr>
+              </a:lnRef>
+              <a:fillRef idx="1">
+                <a:schemeClr val="accent1"/>
+              </a:fillRef>
+              <a:effectRef idx="0">
+                <a:schemeClr val="accent1"/>
+              </a:effectRef>
+              <a:fontRef idx="minor">
+                <a:schemeClr val="lt1"/>
+              </a:fontRef>
+            </p:style>
+            <p:txBody>
+              <a:bodyPr rtlCol="0" anchor="ctr"/>
+              <a:lstStyle/>
+              <a:p>
+                <a:pPr algn="ctr"/>
+                <a:endParaRPr lang="zh-TW" altLang="en-US"/>
+              </a:p>
+            </p:txBody>
+          </p:sp>
+        </p:grpSp>
+        <p:sp>
+          <p:nvSpPr>
+            <p:cNvPr id="22" name="向右箭號 21"/>
+            <p:cNvSpPr/>
+            <p:nvPr/>
+          </p:nvSpPr>
+          <p:spPr>
+            <a:xfrm>
+              <a:off x="8036634" y="690089"/>
+              <a:ext cx="584641" cy="404696"/>
+            </a:xfrm>
+            <a:prstGeom prst="rightArrow">
+              <a:avLst/>
+            </a:prstGeom>
+            <a:ln>
+              <a:noFill/>
+            </a:ln>
+          </p:spPr>
+          <p:style>
+            <a:lnRef idx="2">
+              <a:schemeClr val="accent1">
+                <a:shade val="50000"/>
+              </a:schemeClr>
+            </a:lnRef>
+            <a:fillRef idx="1">
+              <a:schemeClr val="accent1"/>
+            </a:fillRef>
+            <a:effectRef idx="0">
+              <a:schemeClr val="accent1"/>
+            </a:effectRef>
+            <a:fontRef idx="minor">
+              <a:schemeClr val="lt1"/>
+            </a:fontRef>
+          </p:style>
+          <p:txBody>
+            <a:bodyPr rtlCol="0" anchor="ctr"/>
+            <a:lstStyle/>
+            <a:p>
+              <a:pPr algn="ctr"/>
+              <a:endParaRPr lang="zh-TW" altLang="en-US"/>
+            </a:p>
+          </p:txBody>
+        </p:sp>
+      </p:grpSp>
+      <p:grpSp>
+        <p:nvGrpSpPr>
+          <p:cNvPr id="28" name="群組 27"/>
+          <p:cNvGrpSpPr/>
+          <p:nvPr/>
+        </p:nvGrpSpPr>
+        <p:grpSpPr>
+          <a:xfrm>
+            <a:off x="2639483" y="2783318"/>
+            <a:ext cx="960628" cy="626534"/>
+            <a:chOff x="3775365" y="804519"/>
+            <a:chExt cx="960628" cy="626534"/>
+          </a:xfrm>
+        </p:grpSpPr>
+        <p:sp>
+          <p:nvSpPr>
+            <p:cNvPr id="25" name="向下箭號 24"/>
+            <p:cNvSpPr/>
+            <p:nvPr/>
+          </p:nvSpPr>
+          <p:spPr>
+            <a:xfrm>
+              <a:off x="4436533" y="804519"/>
+              <a:ext cx="299460" cy="626348"/>
+            </a:xfrm>
+            <a:prstGeom prst="downArrow">
+              <a:avLst/>
+            </a:prstGeom>
+            <a:ln>
+              <a:noFill/>
+            </a:ln>
+          </p:spPr>
+          <p:style>
+            <a:lnRef idx="2">
+              <a:schemeClr val="accent1">
+                <a:shade val="50000"/>
+              </a:schemeClr>
+            </a:lnRef>
+            <a:fillRef idx="1">
+              <a:schemeClr val="accent1"/>
+            </a:fillRef>
+            <a:effectRef idx="0">
+              <a:schemeClr val="accent1"/>
+            </a:effectRef>
+            <a:fontRef idx="minor">
+              <a:schemeClr val="lt1"/>
+            </a:fontRef>
+          </p:style>
+          <p:txBody>
+            <a:bodyPr rtlCol="0" anchor="ctr"/>
+            <a:lstStyle/>
+            <a:p>
+              <a:pPr algn="ctr"/>
+              <a:endParaRPr lang="zh-TW" altLang="en-US"/>
+            </a:p>
+          </p:txBody>
+        </p:sp>
+        <p:sp>
+          <p:nvSpPr>
+            <p:cNvPr id="26" name="矩形 25"/>
+            <p:cNvSpPr/>
+            <p:nvPr/>
+          </p:nvSpPr>
+          <p:spPr>
+            <a:xfrm>
+              <a:off x="3775366" y="804519"/>
+              <a:ext cx="884292" cy="126814"/>
+            </a:xfrm>
+            <a:prstGeom prst="rect">
+              <a:avLst/>
+            </a:prstGeom>
+            <a:ln>
+              <a:noFill/>
+            </a:ln>
+          </p:spPr>
+          <p:style>
+            <a:lnRef idx="2">
+              <a:schemeClr val="accent1">
+                <a:shade val="50000"/>
+              </a:schemeClr>
+            </a:lnRef>
+            <a:fillRef idx="1">
+              <a:schemeClr val="accent1"/>
+            </a:fillRef>
+            <a:effectRef idx="0">
+              <a:schemeClr val="accent1"/>
+            </a:effectRef>
+            <a:fontRef idx="minor">
+              <a:schemeClr val="lt1"/>
+            </a:fontRef>
+          </p:style>
+          <p:txBody>
+            <a:bodyPr rtlCol="0" anchor="ctr"/>
+            <a:lstStyle/>
+            <a:p>
+              <a:pPr algn="ctr"/>
+              <a:endParaRPr lang="zh-TW" altLang="en-US"/>
+            </a:p>
+          </p:txBody>
+        </p:sp>
+        <p:sp>
+          <p:nvSpPr>
+            <p:cNvPr id="27" name="矩形 26"/>
+            <p:cNvSpPr/>
+            <p:nvPr/>
+          </p:nvSpPr>
+          <p:spPr>
+            <a:xfrm>
+              <a:off x="3775365" y="804519"/>
+              <a:ext cx="178567" cy="626534"/>
+            </a:xfrm>
+            <a:prstGeom prst="rect">
+              <a:avLst/>
+            </a:prstGeom>
+            <a:ln>
+              <a:noFill/>
+            </a:ln>
+          </p:spPr>
+          <p:style>
+            <a:lnRef idx="2">
+              <a:schemeClr val="accent1">
+                <a:shade val="50000"/>
+              </a:schemeClr>
+            </a:lnRef>
+            <a:fillRef idx="1">
+              <a:schemeClr val="accent1"/>
+            </a:fillRef>
+            <a:effectRef idx="0">
+              <a:schemeClr val="accent1"/>
+            </a:effectRef>
+            <a:fontRef idx="minor">
+              <a:schemeClr val="lt1"/>
+            </a:fontRef>
+          </p:style>
+          <p:txBody>
+            <a:bodyPr rtlCol="0" anchor="ctr"/>
+            <a:lstStyle/>
+            <a:p>
+              <a:pPr algn="ctr"/>
+              <a:endParaRPr lang="zh-TW" altLang="en-US"/>
+            </a:p>
+          </p:txBody>
+        </p:sp>
+      </p:grpSp>
+      <p:grpSp>
+        <p:nvGrpSpPr>
+          <p:cNvPr id="33" name="群組 32"/>
+          <p:cNvGrpSpPr/>
+          <p:nvPr/>
+        </p:nvGrpSpPr>
+        <p:grpSpPr>
+          <a:xfrm>
+            <a:off x="4045824" y="2791599"/>
+            <a:ext cx="960628" cy="626534"/>
+            <a:chOff x="3775365" y="804519"/>
+            <a:chExt cx="960628" cy="626534"/>
+          </a:xfrm>
+        </p:grpSpPr>
+        <p:sp>
+          <p:nvSpPr>
+            <p:cNvPr id="34" name="向下箭號 33"/>
+            <p:cNvSpPr/>
+            <p:nvPr/>
+          </p:nvSpPr>
+          <p:spPr>
+            <a:xfrm>
+              <a:off x="4436533" y="804519"/>
+              <a:ext cx="299460" cy="626348"/>
+            </a:xfrm>
+            <a:prstGeom prst="downArrow">
+              <a:avLst/>
+            </a:prstGeom>
+            <a:ln>
+              <a:noFill/>
+            </a:ln>
+          </p:spPr>
+          <p:style>
+            <a:lnRef idx="2">
+              <a:schemeClr val="accent1">
+                <a:shade val="50000"/>
+              </a:schemeClr>
+            </a:lnRef>
+            <a:fillRef idx="1">
+              <a:schemeClr val="accent1"/>
+            </a:fillRef>
+            <a:effectRef idx="0">
+              <a:schemeClr val="accent1"/>
+            </a:effectRef>
+            <a:fontRef idx="minor">
+              <a:schemeClr val="lt1"/>
+            </a:fontRef>
+          </p:style>
+          <p:txBody>
+            <a:bodyPr rtlCol="0" anchor="ctr"/>
+            <a:lstStyle/>
+            <a:p>
+              <a:pPr algn="ctr"/>
+              <a:endParaRPr lang="zh-TW" altLang="en-US"/>
+            </a:p>
+          </p:txBody>
+        </p:sp>
+        <p:sp>
+          <p:nvSpPr>
+            <p:cNvPr id="35" name="矩形 34"/>
+            <p:cNvSpPr/>
+            <p:nvPr/>
+          </p:nvSpPr>
+          <p:spPr>
+            <a:xfrm>
+              <a:off x="3775366" y="804519"/>
+              <a:ext cx="884292" cy="126814"/>
+            </a:xfrm>
+            <a:prstGeom prst="rect">
+              <a:avLst/>
+            </a:prstGeom>
+            <a:ln>
+              <a:noFill/>
+            </a:ln>
+          </p:spPr>
+          <p:style>
+            <a:lnRef idx="2">
+              <a:schemeClr val="accent1">
+                <a:shade val="50000"/>
+              </a:schemeClr>
+            </a:lnRef>
+            <a:fillRef idx="1">
+              <a:schemeClr val="accent1"/>
+            </a:fillRef>
+            <a:effectRef idx="0">
+              <a:schemeClr val="accent1"/>
+            </a:effectRef>
+            <a:fontRef idx="minor">
+              <a:schemeClr val="lt1"/>
+            </a:fontRef>
+          </p:style>
+          <p:txBody>
+            <a:bodyPr rtlCol="0" anchor="ctr"/>
+            <a:lstStyle/>
+            <a:p>
+              <a:pPr algn="ctr"/>
+              <a:endParaRPr lang="zh-TW" altLang="en-US"/>
+            </a:p>
+          </p:txBody>
+        </p:sp>
+        <p:sp>
+          <p:nvSpPr>
+            <p:cNvPr id="36" name="矩形 35"/>
+            <p:cNvSpPr/>
+            <p:nvPr/>
+          </p:nvSpPr>
+          <p:spPr>
+            <a:xfrm>
+              <a:off x="3775365" y="804519"/>
+              <a:ext cx="178567" cy="626534"/>
+            </a:xfrm>
+            <a:prstGeom prst="rect">
+              <a:avLst/>
+            </a:prstGeom>
+            <a:ln>
+              <a:noFill/>
+            </a:ln>
+          </p:spPr>
+          <p:style>
+            <a:lnRef idx="2">
+              <a:schemeClr val="accent1">
+                <a:shade val="50000"/>
+              </a:schemeClr>
+            </a:lnRef>
+            <a:fillRef idx="1">
+              <a:schemeClr val="accent1"/>
+            </a:fillRef>
+            <a:effectRef idx="0">
+              <a:schemeClr val="accent1"/>
+            </a:effectRef>
+            <a:fontRef idx="minor">
+              <a:schemeClr val="lt1"/>
+            </a:fontRef>
+          </p:style>
+          <p:txBody>
+            <a:bodyPr rtlCol="0" anchor="ctr"/>
+            <a:lstStyle/>
+            <a:p>
+              <a:pPr algn="ctr"/>
+              <a:endParaRPr lang="zh-TW" altLang="en-US"/>
+            </a:p>
+          </p:txBody>
+        </p:sp>
+      </p:grpSp>
+      <p:grpSp>
+        <p:nvGrpSpPr>
+          <p:cNvPr id="37" name="群組 36"/>
+          <p:cNvGrpSpPr/>
+          <p:nvPr/>
+        </p:nvGrpSpPr>
+        <p:grpSpPr>
+          <a:xfrm>
+            <a:off x="5692337" y="2803890"/>
+            <a:ext cx="960628" cy="626534"/>
+            <a:chOff x="3775365" y="804519"/>
+            <a:chExt cx="960628" cy="626534"/>
+          </a:xfrm>
+        </p:grpSpPr>
+        <p:sp>
+          <p:nvSpPr>
+            <p:cNvPr id="38" name="向下箭號 37"/>
+            <p:cNvSpPr/>
+            <p:nvPr/>
+          </p:nvSpPr>
+          <p:spPr>
+            <a:xfrm>
+              <a:off x="4436533" y="804519"/>
+              <a:ext cx="299460" cy="626348"/>
+            </a:xfrm>
+            <a:prstGeom prst="downArrow">
+              <a:avLst/>
+            </a:prstGeom>
+            <a:ln>
+              <a:noFill/>
+            </a:ln>
+          </p:spPr>
+          <p:style>
+            <a:lnRef idx="2">
+              <a:schemeClr val="accent1">
+                <a:shade val="50000"/>
+              </a:schemeClr>
+            </a:lnRef>
+            <a:fillRef idx="1">
+              <a:schemeClr val="accent1"/>
+            </a:fillRef>
+            <a:effectRef idx="0">
+              <a:schemeClr val="accent1"/>
+            </a:effectRef>
+            <a:fontRef idx="minor">
+              <a:schemeClr val="lt1"/>
+            </a:fontRef>
+          </p:style>
+          <p:txBody>
+            <a:bodyPr rtlCol="0" anchor="ctr"/>
+            <a:lstStyle/>
+            <a:p>
+              <a:pPr algn="ctr"/>
+              <a:endParaRPr lang="zh-TW" altLang="en-US"/>
+            </a:p>
+          </p:txBody>
+        </p:sp>
+        <p:sp>
+          <p:nvSpPr>
+            <p:cNvPr id="39" name="矩形 38"/>
+            <p:cNvSpPr/>
+            <p:nvPr/>
+          </p:nvSpPr>
+          <p:spPr>
+            <a:xfrm>
+              <a:off x="3775366" y="804519"/>
+              <a:ext cx="884292" cy="126814"/>
+            </a:xfrm>
+            <a:prstGeom prst="rect">
+              <a:avLst/>
+            </a:prstGeom>
+            <a:ln>
+              <a:noFill/>
+            </a:ln>
+          </p:spPr>
+          <p:style>
+            <a:lnRef idx="2">
+              <a:schemeClr val="accent1">
+                <a:shade val="50000"/>
+              </a:schemeClr>
+            </a:lnRef>
+            <a:fillRef idx="1">
+              <a:schemeClr val="accent1"/>
+            </a:fillRef>
+            <a:effectRef idx="0">
+              <a:schemeClr val="accent1"/>
+            </a:effectRef>
+            <a:fontRef idx="minor">
+              <a:schemeClr val="lt1"/>
+            </a:fontRef>
+          </p:style>
+          <p:txBody>
+            <a:bodyPr rtlCol="0" anchor="ctr"/>
+            <a:lstStyle/>
+            <a:p>
+              <a:pPr algn="ctr"/>
+              <a:endParaRPr lang="zh-TW" altLang="en-US"/>
+            </a:p>
+          </p:txBody>
+        </p:sp>
+        <p:sp>
+          <p:nvSpPr>
+            <p:cNvPr id="40" name="矩形 39"/>
+            <p:cNvSpPr/>
+            <p:nvPr/>
+          </p:nvSpPr>
+          <p:spPr>
+            <a:xfrm>
+              <a:off x="3775365" y="804519"/>
+              <a:ext cx="178567" cy="626534"/>
+            </a:xfrm>
+            <a:prstGeom prst="rect">
+              <a:avLst/>
+            </a:prstGeom>
+            <a:ln>
+              <a:noFill/>
+            </a:ln>
+          </p:spPr>
+          <p:style>
+            <a:lnRef idx="2">
+              <a:schemeClr val="accent1">
+                <a:shade val="50000"/>
+              </a:schemeClr>
+            </a:lnRef>
+            <a:fillRef idx="1">
+              <a:schemeClr val="accent1"/>
+            </a:fillRef>
+            <a:effectRef idx="0">
+              <a:schemeClr val="accent1"/>
+            </a:effectRef>
+            <a:fontRef idx="minor">
+              <a:schemeClr val="lt1"/>
+            </a:fontRef>
+          </p:style>
+          <p:txBody>
+            <a:bodyPr rtlCol="0" anchor="ctr"/>
+            <a:lstStyle/>
+            <a:p>
+              <a:pPr algn="ctr"/>
+              <a:endParaRPr lang="zh-TW" altLang="en-US"/>
+            </a:p>
+          </p:txBody>
+        </p:sp>
+      </p:grpSp>
       <p:sp>
         <p:nvSpPr>
-          <p:cNvPr id="32" name="文字方塊 31"/>
+          <p:cNvPr id="45" name="文字方塊 44"/>
           <p:cNvSpPr txBox="1"/>
           <p:nvPr/>
         </p:nvSpPr>
         <p:spPr>
           <a:xfrm>
-            <a:off x="5855283" y="3547534"/>
-            <a:ext cx="1883251" cy="369332"/>
+            <a:off x="8690409" y="4148791"/>
+            <a:ext cx="1421795" cy="307777"/>
           </a:xfrm>
           <a:prstGeom prst="rect">
             <a:avLst/>
@@ -12729,10 +13772,57 @@
           <a:lstStyle/>
           <a:p>
             <a:r>
-              <a:rPr lang="zh-TW" altLang="en-US" dirty="0" smtClean="0"/>
-              <a:t>球的速度及斜率</a:t>
-            </a:r>
-            <a:endParaRPr lang="zh-TW" altLang="en-US" dirty="0"/>
+              <a:rPr lang="zh-TW" altLang="en-US" sz="1400" dirty="0" smtClean="0"/>
+              <a:t>球</a:t>
+            </a:r>
+            <a:r>
+              <a:rPr lang="zh-TW" altLang="en-US" sz="1400" dirty="0" smtClean="0"/>
+              <a:t>的位置</a:t>
+            </a:r>
+            <a:endParaRPr lang="zh-TW" altLang="en-US" sz="1400" dirty="0"/>
+          </a:p>
+        </p:txBody>
+      </p:sp>
+      <p:sp>
+        <p:nvSpPr>
+          <p:cNvPr id="46" name="向右箭號 45"/>
+          <p:cNvSpPr/>
+          <p:nvPr/>
+        </p:nvSpPr>
+        <p:spPr>
+          <a:xfrm>
+            <a:off x="7611533" y="3891305"/>
+            <a:ext cx="3539067" cy="292092"/>
+          </a:xfrm>
+          <a:prstGeom prst="rightArrow">
+            <a:avLst/>
+          </a:prstGeom>
+          <a:ln>
+            <a:noFill/>
+          </a:ln>
+        </p:spPr>
+        <p:style>
+          <a:lnRef idx="2">
+            <a:schemeClr val="accent1">
+              <a:shade val="50000"/>
+            </a:schemeClr>
+          </a:lnRef>
+          <a:fillRef idx="1">
+            <a:schemeClr val="accent1"/>
+          </a:fillRef>
+          <a:effectRef idx="0">
+            <a:schemeClr val="accent1"/>
+          </a:effectRef>
+          <a:fontRef idx="minor">
+            <a:schemeClr val="lt1"/>
+          </a:fontRef>
+        </p:style>
+        <p:txBody>
+          <a:bodyPr rtlCol="0" anchor="ctr"/>
+          <a:lstStyle/>
+          <a:p>
+            <a:pPr algn="ctr"/>
+            <a:endParaRPr lang="zh-TW" altLang="en-US"/>
           </a:p>
         </p:txBody>
       </p:sp>

--- a/homework5/ML_HW5_定版.pptx
+++ b/homework5/ML_HW5_定版.pptx
@@ -2799,18 +2799,6 @@
             <a:rPr lang="zh-TW" altLang="en-US" dirty="0" smtClean="0"/>
             <a:t> </a:t>
           </a:r>
-          <a:r>
-            <a:rPr lang="en-US" altLang="zh-TW" dirty="0" smtClean="0"/>
-            <a:t>/</a:t>
-          </a:r>
-          <a:r>
-            <a:rPr lang="zh-TW" altLang="en-US" dirty="0" smtClean="0"/>
-            <a:t> </a:t>
-          </a:r>
-          <a:r>
-            <a:rPr lang="en-US" altLang="zh-TW" dirty="0" smtClean="0"/>
-            <a:t>HMM</a:t>
-          </a:r>
           <a:endParaRPr lang="zh-TW" altLang="en-US" dirty="0"/>
         </a:p>
       </dgm:t>
@@ -2846,7 +2834,23 @@
         <a:p>
           <a:r>
             <a:rPr lang="zh-TW" altLang="en-US" dirty="0" smtClean="0"/>
-            <a:t>比賽資訊偵測模組</a:t>
+            <a:t>比賽資訊偵測</a:t>
+          </a:r>
+          <a:r>
+            <a:rPr lang="zh-TW" altLang="en-US" dirty="0" smtClean="0"/>
+            <a:t>模組</a:t>
+          </a:r>
+          <a:r>
+            <a:rPr lang="en-US" altLang="zh-TW" dirty="0" smtClean="0"/>
+            <a:t>(</a:t>
+          </a:r>
+          <a:r>
+            <a:rPr lang="en-US" altLang="zh-TW" dirty="0" err="1" smtClean="0"/>
+            <a:t>feat.HMM</a:t>
+          </a:r>
+          <a:r>
+            <a:rPr lang="en-US" altLang="zh-TW" dirty="0" smtClean="0"/>
+            <a:t>)</a:t>
           </a:r>
           <a:endParaRPr lang="zh-TW" altLang="en-US" dirty="0"/>
         </a:p>
@@ -3113,19 +3117,19 @@
     </dgm:pt>
   </dgm:ptLst>
   <dgm:cxnLst>
+    <dgm:cxn modelId="{6779A2EF-09FC-45AB-BEA0-1E47C96340E4}" type="presOf" srcId="{EDD29617-CECB-4426-99D1-B6CCA9704231}" destId="{90241D68-05F7-4BA6-AE65-5E454A3AC5C8}" srcOrd="0" destOrd="0" presId="urn:microsoft.com/office/officeart/2005/8/layout/hChevron3"/>
+    <dgm:cxn modelId="{6CEE22FD-E3B2-4A41-9180-476ACB4F9448}" srcId="{4817A794-4E41-4F1E-B014-3712FB8CBEE3}" destId="{EDD29617-CECB-4426-99D1-B6CCA9704231}" srcOrd="0" destOrd="0" parTransId="{B5C29F65-2D9A-4AE2-B94E-596E8F30AE4D}" sibTransId="{7BF8A150-8D36-49A6-9405-9A276DCCD74B}"/>
+    <dgm:cxn modelId="{DF402503-B6BE-4387-AD9E-5B53FF9E0E8B}" type="presOf" srcId="{1B911186-C6C0-4610-A85A-D98D9CC0EF80}" destId="{82A47268-319D-46F4-8D06-BF4EA91763BC}" srcOrd="0" destOrd="0" presId="urn:microsoft.com/office/officeart/2005/8/layout/hChevron3"/>
+    <dgm:cxn modelId="{5960DDE2-79B1-4A2A-8DFC-0EC978B5B82C}" srcId="{4817A794-4E41-4F1E-B014-3712FB8CBEE3}" destId="{F441C939-18E5-4182-9240-ADD42AC24675}" srcOrd="2" destOrd="0" parTransId="{14F7E349-F3B8-4550-8AF8-346BA84FD1D2}" sibTransId="{9985A307-B5B5-4F07-84E5-EC482B98E156}"/>
+    <dgm:cxn modelId="{BB34C200-C144-4232-9A4E-C29E223BB3A3}" srcId="{4817A794-4E41-4F1E-B014-3712FB8CBEE3}" destId="{1B911186-C6C0-4610-A85A-D98D9CC0EF80}" srcOrd="3" destOrd="0" parTransId="{D653DB0E-CC21-465B-B6EB-BF9BCFD5B24D}" sibTransId="{6FA44E27-3292-432F-8804-6EAEA329FA76}"/>
     <dgm:cxn modelId="{79376C36-5041-4D82-89CE-6CF82C87D6C6}" srcId="{4817A794-4E41-4F1E-B014-3712FB8CBEE3}" destId="{34ED501E-A939-4BC7-931E-BD4127D5185B}" srcOrd="1" destOrd="0" parTransId="{C76F66D4-28CD-4018-AD70-BE962CE9E6E5}" sibTransId="{CB6376B6-6182-43B5-966B-FBFE7FD94356}"/>
-    <dgm:cxn modelId="{BB34C200-C144-4232-9A4E-C29E223BB3A3}" srcId="{4817A794-4E41-4F1E-B014-3712FB8CBEE3}" destId="{1B911186-C6C0-4610-A85A-D98D9CC0EF80}" srcOrd="3" destOrd="0" parTransId="{D653DB0E-CC21-465B-B6EB-BF9BCFD5B24D}" sibTransId="{6FA44E27-3292-432F-8804-6EAEA329FA76}"/>
+    <dgm:cxn modelId="{447013CB-B8F8-4656-B192-3F37AA7C4320}" type="presOf" srcId="{4817A794-4E41-4F1E-B014-3712FB8CBEE3}" destId="{71C2623C-F225-4105-898B-D6F72E89C25A}" srcOrd="0" destOrd="0" presId="urn:microsoft.com/office/officeart/2005/8/layout/hChevron3"/>
+    <dgm:cxn modelId="{7BBFCD75-9B62-4456-80CB-9D9DD68A7FAA}" type="presOf" srcId="{3F023489-DFCF-457C-9FF4-FCD90ABFEAA8}" destId="{C7E8294E-FD36-46C7-A3C2-47179F6E0AE6}" srcOrd="0" destOrd="0" presId="urn:microsoft.com/office/officeart/2005/8/layout/hChevron3"/>
+    <dgm:cxn modelId="{78845CD0-5BE2-45AF-B769-EDF430D6899B}" srcId="{4817A794-4E41-4F1E-B014-3712FB8CBEE3}" destId="{A226C628-EC35-4A05-96EC-45E649BB84CE}" srcOrd="4" destOrd="0" parTransId="{E3C53AF6-6021-4456-B50A-8F64B699389C}" sibTransId="{108050D9-AAA2-49B2-BF8E-121C23BA18A9}"/>
     <dgm:cxn modelId="{C66467BD-F8AC-41B7-A686-25E81D8FAE3E}" type="presOf" srcId="{A226C628-EC35-4A05-96EC-45E649BB84CE}" destId="{233886AE-F689-4A85-8FB0-245B9B87F087}" srcOrd="0" destOrd="0" presId="urn:microsoft.com/office/officeart/2005/8/layout/hChevron3"/>
     <dgm:cxn modelId="{EACF6002-F44E-44AC-9740-67B6C19108D5}" srcId="{4817A794-4E41-4F1E-B014-3712FB8CBEE3}" destId="{3F023489-DFCF-457C-9FF4-FCD90ABFEAA8}" srcOrd="5" destOrd="0" parTransId="{6219EC18-0AA9-4C9B-B901-770344395A93}" sibTransId="{6C30767D-A211-4D2B-AE12-601C78A1F06E}"/>
-    <dgm:cxn modelId="{6CEE22FD-E3B2-4A41-9180-476ACB4F9448}" srcId="{4817A794-4E41-4F1E-B014-3712FB8CBEE3}" destId="{EDD29617-CECB-4426-99D1-B6CCA9704231}" srcOrd="0" destOrd="0" parTransId="{B5C29F65-2D9A-4AE2-B94E-596E8F30AE4D}" sibTransId="{7BF8A150-8D36-49A6-9405-9A276DCCD74B}"/>
-    <dgm:cxn modelId="{78845CD0-5BE2-45AF-B769-EDF430D6899B}" srcId="{4817A794-4E41-4F1E-B014-3712FB8CBEE3}" destId="{A226C628-EC35-4A05-96EC-45E649BB84CE}" srcOrd="4" destOrd="0" parTransId="{E3C53AF6-6021-4456-B50A-8F64B699389C}" sibTransId="{108050D9-AAA2-49B2-BF8E-121C23BA18A9}"/>
-    <dgm:cxn modelId="{5960DDE2-79B1-4A2A-8DFC-0EC978B5B82C}" srcId="{4817A794-4E41-4F1E-B014-3712FB8CBEE3}" destId="{F441C939-18E5-4182-9240-ADD42AC24675}" srcOrd="2" destOrd="0" parTransId="{14F7E349-F3B8-4550-8AF8-346BA84FD1D2}" sibTransId="{9985A307-B5B5-4F07-84E5-EC482B98E156}"/>
     <dgm:cxn modelId="{45D57C49-B130-49E5-A833-2353B4DD9FC7}" type="presOf" srcId="{F441C939-18E5-4182-9240-ADD42AC24675}" destId="{37F2D1DA-AB64-43FE-98AF-6E7D7A755C4F}" srcOrd="0" destOrd="0" presId="urn:microsoft.com/office/officeart/2005/8/layout/hChevron3"/>
-    <dgm:cxn modelId="{6779A2EF-09FC-45AB-BEA0-1E47C96340E4}" type="presOf" srcId="{EDD29617-CECB-4426-99D1-B6CCA9704231}" destId="{90241D68-05F7-4BA6-AE65-5E454A3AC5C8}" srcOrd="0" destOrd="0" presId="urn:microsoft.com/office/officeart/2005/8/layout/hChevron3"/>
-    <dgm:cxn modelId="{DF402503-B6BE-4387-AD9E-5B53FF9E0E8B}" type="presOf" srcId="{1B911186-C6C0-4610-A85A-D98D9CC0EF80}" destId="{82A47268-319D-46F4-8D06-BF4EA91763BC}" srcOrd="0" destOrd="0" presId="urn:microsoft.com/office/officeart/2005/8/layout/hChevron3"/>
-    <dgm:cxn modelId="{447013CB-B8F8-4656-B192-3F37AA7C4320}" type="presOf" srcId="{4817A794-4E41-4F1E-B014-3712FB8CBEE3}" destId="{71C2623C-F225-4105-898B-D6F72E89C25A}" srcOrd="0" destOrd="0" presId="urn:microsoft.com/office/officeart/2005/8/layout/hChevron3"/>
     <dgm:cxn modelId="{6C60FDC6-FF45-4DE8-9645-3E1EF5ED404C}" type="presOf" srcId="{34ED501E-A939-4BC7-931E-BD4127D5185B}" destId="{98D5E02D-F0C2-4BB3-9E2A-05E581D86E85}" srcOrd="0" destOrd="0" presId="urn:microsoft.com/office/officeart/2005/8/layout/hChevron3"/>
-    <dgm:cxn modelId="{7BBFCD75-9B62-4456-80CB-9D9DD68A7FAA}" type="presOf" srcId="{3F023489-DFCF-457C-9FF4-FCD90ABFEAA8}" destId="{C7E8294E-FD36-46C7-A3C2-47179F6E0AE6}" srcOrd="0" destOrd="0" presId="urn:microsoft.com/office/officeart/2005/8/layout/hChevron3"/>
     <dgm:cxn modelId="{50ACE66C-1995-498C-88B4-14F2EB58D154}" type="presParOf" srcId="{71C2623C-F225-4105-898B-D6F72E89C25A}" destId="{90241D68-05F7-4BA6-AE65-5E454A3AC5C8}" srcOrd="0" destOrd="0" presId="urn:microsoft.com/office/officeart/2005/8/layout/hChevron3"/>
     <dgm:cxn modelId="{66A2DF6D-85C1-4BCC-8F68-2E59AC3F1C23}" type="presParOf" srcId="{71C2623C-F225-4105-898B-D6F72E89C25A}" destId="{59089CB7-5787-485C-B2FB-7752803DBA5F}" srcOrd="1" destOrd="0" presId="urn:microsoft.com/office/officeart/2005/8/layout/hChevron3"/>
     <dgm:cxn modelId="{BA7A6630-0FA6-42C4-AF63-C7B70FC7D0BE}" type="presParOf" srcId="{71C2623C-F225-4105-898B-D6F72E89C25A}" destId="{98D5E02D-F0C2-4BB3-9E2A-05E581D86E85}" srcOrd="2" destOrd="0" presId="urn:microsoft.com/office/officeart/2005/8/layout/hChevron3"/>
@@ -5102,12 +5106,12 @@
         </a:fontRef>
       </dsp:style>
       <dsp:txBody>
-        <a:bodyPr spcFirstLastPara="0" vert="horz" wrap="square" lIns="74676" tIns="37338" rIns="18669" bIns="37338" numCol="1" spcCol="1270" anchor="ctr" anchorCtr="0">
+        <a:bodyPr spcFirstLastPara="0" vert="horz" wrap="square" lIns="80010" tIns="40005" rIns="20003" bIns="40005" numCol="1" spcCol="1270" anchor="ctr" anchorCtr="0">
           <a:noAutofit/>
         </a:bodyPr>
         <a:lstStyle/>
         <a:p>
-          <a:pPr lvl="0" algn="ctr" defTabSz="622300">
+          <a:pPr lvl="0" algn="ctr" defTabSz="666750">
             <a:lnSpc>
               <a:spcPct val="90000"/>
             </a:lnSpc>
@@ -5119,10 +5123,10 @@
             </a:spcAft>
           </a:pPr>
           <a:r>
-            <a:rPr lang="zh-TW" altLang="en-US" sz="1400" kern="1200" dirty="0" smtClean="0"/>
+            <a:rPr lang="zh-TW" altLang="en-US" sz="1500" kern="1200" dirty="0" smtClean="0"/>
             <a:t>資料產生及路徑產生模組</a:t>
           </a:r>
-          <a:endParaRPr lang="zh-TW" altLang="en-US" sz="1400" kern="1200" dirty="0"/>
+          <a:endParaRPr lang="zh-TW" altLang="en-US" sz="1500" kern="1200" dirty="0"/>
         </a:p>
       </dsp:txBody>
       <dsp:txXfrm>
@@ -5179,12 +5183,12 @@
         </a:fontRef>
       </dsp:style>
       <dsp:txBody>
-        <a:bodyPr spcFirstLastPara="0" vert="horz" wrap="square" lIns="56007" tIns="37338" rIns="18669" bIns="37338" numCol="1" spcCol="1270" anchor="ctr" anchorCtr="0">
+        <a:bodyPr spcFirstLastPara="0" vert="horz" wrap="square" lIns="60008" tIns="40005" rIns="20003" bIns="40005" numCol="1" spcCol="1270" anchor="ctr" anchorCtr="0">
           <a:noAutofit/>
         </a:bodyPr>
         <a:lstStyle/>
         <a:p>
-          <a:pPr lvl="0" algn="ctr" defTabSz="622300">
+          <a:pPr lvl="0" algn="ctr" defTabSz="666750">
             <a:lnSpc>
               <a:spcPct val="90000"/>
             </a:lnSpc>
@@ -5196,10 +5200,10 @@
             </a:spcAft>
           </a:pPr>
           <a:r>
-            <a:rPr lang="zh-TW" altLang="en-US" sz="1400" kern="1200" dirty="0" smtClean="0"/>
+            <a:rPr lang="zh-TW" altLang="en-US" sz="1500" kern="1200" dirty="0" smtClean="0"/>
             <a:t>資料正規化模組</a:t>
           </a:r>
-          <a:endParaRPr lang="zh-TW" altLang="en-US" sz="1400" kern="1200" dirty="0"/>
+          <a:endParaRPr lang="zh-TW" altLang="en-US" sz="1500" kern="1200" dirty="0"/>
         </a:p>
       </dsp:txBody>
       <dsp:txXfrm>
@@ -5256,12 +5260,12 @@
         </a:fontRef>
       </dsp:style>
       <dsp:txBody>
-        <a:bodyPr spcFirstLastPara="0" vert="horz" wrap="square" lIns="56007" tIns="37338" rIns="18669" bIns="37338" numCol="1" spcCol="1270" anchor="ctr" anchorCtr="0">
+        <a:bodyPr spcFirstLastPara="0" vert="horz" wrap="square" lIns="60008" tIns="40005" rIns="20003" bIns="40005" numCol="1" spcCol="1270" anchor="ctr" anchorCtr="0">
           <a:noAutofit/>
         </a:bodyPr>
         <a:lstStyle/>
         <a:p>
-          <a:pPr lvl="0" algn="ctr" defTabSz="622300">
+          <a:pPr lvl="0" algn="ctr" defTabSz="666750">
             <a:lnSpc>
               <a:spcPct val="90000"/>
             </a:lnSpc>
@@ -5273,13 +5277,13 @@
             </a:spcAft>
           </a:pPr>
           <a:r>
-            <a:rPr lang="zh-TW" altLang="en-US" sz="1400" kern="1200" dirty="0" smtClean="0"/>
+            <a:rPr lang="zh-TW" altLang="en-US" sz="1500" kern="1200" dirty="0" smtClean="0"/>
             <a:t>訓練模組</a:t>
           </a:r>
-          <a:endParaRPr lang="en-US" altLang="zh-TW" sz="1400" kern="1200" dirty="0" smtClean="0"/>
+          <a:endParaRPr lang="en-US" altLang="zh-TW" sz="1500" kern="1200" dirty="0" smtClean="0"/>
         </a:p>
         <a:p>
-          <a:pPr lvl="0" algn="ctr" defTabSz="622300">
+          <a:pPr lvl="0" algn="ctr" defTabSz="666750">
             <a:lnSpc>
               <a:spcPct val="90000"/>
             </a:lnSpc>
@@ -5291,42 +5295,30 @@
             </a:spcAft>
           </a:pPr>
           <a:r>
-            <a:rPr lang="en-US" altLang="zh-TW" sz="1400" kern="1200" dirty="0" smtClean="0"/>
+            <a:rPr lang="en-US" altLang="zh-TW" sz="1500" kern="1200" dirty="0" smtClean="0"/>
             <a:t>KNN</a:t>
           </a:r>
           <a:r>
-            <a:rPr lang="zh-TW" altLang="en-US" sz="1400" kern="1200" dirty="0" smtClean="0"/>
+            <a:rPr lang="zh-TW" altLang="en-US" sz="1500" kern="1200" dirty="0" smtClean="0"/>
             <a:t> </a:t>
           </a:r>
           <a:r>
-            <a:rPr lang="en-US" altLang="zh-TW" sz="1400" kern="1200" dirty="0" smtClean="0"/>
+            <a:rPr lang="en-US" altLang="zh-TW" sz="1500" kern="1200" dirty="0" smtClean="0"/>
             <a:t>/</a:t>
           </a:r>
           <a:r>
-            <a:rPr lang="zh-TW" altLang="en-US" sz="1400" kern="1200" dirty="0" smtClean="0"/>
+            <a:rPr lang="zh-TW" altLang="en-US" sz="1500" kern="1200" dirty="0" smtClean="0"/>
             <a:t> </a:t>
           </a:r>
           <a:r>
-            <a:rPr lang="en-US" altLang="zh-TW" sz="1400" kern="1200" dirty="0" smtClean="0"/>
+            <a:rPr lang="en-US" altLang="zh-TW" sz="1500" kern="1200" dirty="0" smtClean="0"/>
             <a:t>SVM</a:t>
           </a:r>
           <a:r>
-            <a:rPr lang="zh-TW" altLang="en-US" sz="1400" kern="1200" dirty="0" smtClean="0"/>
+            <a:rPr lang="zh-TW" altLang="en-US" sz="1500" kern="1200" dirty="0" smtClean="0"/>
             <a:t> </a:t>
           </a:r>
-          <a:r>
-            <a:rPr lang="en-US" altLang="zh-TW" sz="1400" kern="1200" dirty="0" smtClean="0"/>
-            <a:t>/</a:t>
-          </a:r>
-          <a:r>
-            <a:rPr lang="zh-TW" altLang="en-US" sz="1400" kern="1200" dirty="0" smtClean="0"/>
-            <a:t> </a:t>
-          </a:r>
-          <a:r>
-            <a:rPr lang="en-US" altLang="zh-TW" sz="1400" kern="1200" dirty="0" smtClean="0"/>
-            <a:t>HMM</a:t>
-          </a:r>
-          <a:endParaRPr lang="zh-TW" altLang="en-US" sz="1400" kern="1200" dirty="0"/>
+          <a:endParaRPr lang="zh-TW" altLang="en-US" sz="1500" kern="1200" dirty="0"/>
         </a:p>
       </dsp:txBody>
       <dsp:txXfrm>
@@ -5383,12 +5375,12 @@
         </a:fontRef>
       </dsp:style>
       <dsp:txBody>
-        <a:bodyPr spcFirstLastPara="0" vert="horz" wrap="square" lIns="56007" tIns="37338" rIns="18669" bIns="37338" numCol="1" spcCol="1270" anchor="ctr" anchorCtr="0">
+        <a:bodyPr spcFirstLastPara="0" vert="horz" wrap="square" lIns="60008" tIns="40005" rIns="20003" bIns="40005" numCol="1" spcCol="1270" anchor="ctr" anchorCtr="0">
           <a:noAutofit/>
         </a:bodyPr>
         <a:lstStyle/>
         <a:p>
-          <a:pPr lvl="0" algn="ctr" defTabSz="622300">
+          <a:pPr lvl="0" algn="ctr" defTabSz="666750">
             <a:lnSpc>
               <a:spcPct val="90000"/>
             </a:lnSpc>
@@ -5400,10 +5392,26 @@
             </a:spcAft>
           </a:pPr>
           <a:r>
-            <a:rPr lang="zh-TW" altLang="en-US" sz="1400" kern="1200" dirty="0" smtClean="0"/>
-            <a:t>比賽資訊偵測模組</a:t>
+            <a:rPr lang="zh-TW" altLang="en-US" sz="1500" kern="1200" dirty="0" smtClean="0"/>
+            <a:t>比賽資訊偵測</a:t>
           </a:r>
-          <a:endParaRPr lang="zh-TW" altLang="en-US" sz="1400" kern="1200" dirty="0"/>
+          <a:r>
+            <a:rPr lang="zh-TW" altLang="en-US" sz="1500" kern="1200" dirty="0" smtClean="0"/>
+            <a:t>模組</a:t>
+          </a:r>
+          <a:r>
+            <a:rPr lang="en-US" altLang="zh-TW" sz="1500" kern="1200" dirty="0" smtClean="0"/>
+            <a:t>(</a:t>
+          </a:r>
+          <a:r>
+            <a:rPr lang="en-US" altLang="zh-TW" sz="1500" kern="1200" dirty="0" err="1" smtClean="0"/>
+            <a:t>feat.HMM</a:t>
+          </a:r>
+          <a:r>
+            <a:rPr lang="en-US" altLang="zh-TW" sz="1500" kern="1200" dirty="0" smtClean="0"/>
+            <a:t>)</a:t>
+          </a:r>
+          <a:endParaRPr lang="zh-TW" altLang="en-US" sz="1500" kern="1200" dirty="0"/>
         </a:p>
       </dsp:txBody>
       <dsp:txXfrm>
@@ -5460,12 +5468,12 @@
         </a:fontRef>
       </dsp:style>
       <dsp:txBody>
-        <a:bodyPr spcFirstLastPara="0" vert="horz" wrap="square" lIns="56007" tIns="37338" rIns="18669" bIns="37338" numCol="1" spcCol="1270" anchor="ctr" anchorCtr="0">
+        <a:bodyPr spcFirstLastPara="0" vert="horz" wrap="square" lIns="60008" tIns="40005" rIns="20003" bIns="40005" numCol="1" spcCol="1270" anchor="ctr" anchorCtr="0">
           <a:noAutofit/>
         </a:bodyPr>
         <a:lstStyle/>
         <a:p>
-          <a:pPr lvl="0" algn="ctr" defTabSz="622300">
+          <a:pPr lvl="0" algn="ctr" defTabSz="666750">
             <a:lnSpc>
               <a:spcPct val="90000"/>
             </a:lnSpc>
@@ -5477,10 +5485,10 @@
             </a:spcAft>
           </a:pPr>
           <a:r>
-            <a:rPr lang="zh-TW" altLang="en-US" sz="1400" kern="1200" dirty="0" smtClean="0"/>
+            <a:rPr lang="zh-TW" altLang="en-US" sz="1500" kern="1200" dirty="0" smtClean="0"/>
             <a:t>斜率控制模組</a:t>
           </a:r>
-          <a:endParaRPr lang="zh-TW" altLang="en-US" sz="1400" kern="1200" dirty="0"/>
+          <a:endParaRPr lang="zh-TW" altLang="en-US" sz="1500" kern="1200" dirty="0"/>
         </a:p>
       </dsp:txBody>
       <dsp:txXfrm>
@@ -5537,12 +5545,12 @@
         </a:fontRef>
       </dsp:style>
       <dsp:txBody>
-        <a:bodyPr spcFirstLastPara="0" vert="horz" wrap="square" lIns="56007" tIns="37338" rIns="18669" bIns="37338" numCol="1" spcCol="1270" anchor="ctr" anchorCtr="0">
+        <a:bodyPr spcFirstLastPara="0" vert="horz" wrap="square" lIns="60008" tIns="40005" rIns="20003" bIns="40005" numCol="1" spcCol="1270" anchor="ctr" anchorCtr="0">
           <a:noAutofit/>
         </a:bodyPr>
         <a:lstStyle/>
         <a:p>
-          <a:pPr lvl="0" algn="ctr" defTabSz="622300">
+          <a:pPr lvl="0" algn="ctr" defTabSz="666750">
             <a:lnSpc>
               <a:spcPct val="90000"/>
             </a:lnSpc>
@@ -5554,10 +5562,10 @@
             </a:spcAft>
           </a:pPr>
           <a:r>
-            <a:rPr lang="zh-TW" altLang="en-US" sz="1400" kern="1200" dirty="0" smtClean="0"/>
+            <a:rPr lang="zh-TW" altLang="en-US" sz="1500" kern="1200" dirty="0" smtClean="0"/>
             <a:t>速度控制模組</a:t>
           </a:r>
-          <a:endParaRPr lang="zh-TW" altLang="en-US" sz="1400" kern="1200" dirty="0"/>
+          <a:endParaRPr lang="zh-TW" altLang="en-US" sz="1500" kern="1200" dirty="0"/>
         </a:p>
       </dsp:txBody>
       <dsp:txXfrm>
@@ -8559,7 +8567,7 @@
           <a:p>
             <a:fld id="{48A87A34-81AB-432B-8DAE-1953F412C126}" type="datetimeFigureOut">
               <a:rPr lang="en-US" dirty="0"/>
-              <a:t>12/2/2020</a:t>
+              <a:t>12/9/2020</a:t>
             </a:fld>
             <a:endParaRPr lang="en-US" dirty="0"/>
           </a:p>
@@ -8765,7 +8773,7 @@
           <a:p>
             <a:fld id="{48A87A34-81AB-432B-8DAE-1953F412C126}" type="datetimeFigureOut">
               <a:rPr lang="en-US" dirty="0"/>
-              <a:t>12/2/2020</a:t>
+              <a:t>12/9/2020</a:t>
             </a:fld>
             <a:endParaRPr lang="en-US" dirty="0"/>
           </a:p>
@@ -8975,7 +8983,7 @@
           <a:p>
             <a:fld id="{48A87A34-81AB-432B-8DAE-1953F412C126}" type="datetimeFigureOut">
               <a:rPr lang="en-US" dirty="0"/>
-              <a:t>12/2/2020</a:t>
+              <a:t>12/9/2020</a:t>
             </a:fld>
             <a:endParaRPr lang="en-US" dirty="0"/>
           </a:p>
@@ -9171,7 +9179,7 @@
           <a:p>
             <a:fld id="{48A87A34-81AB-432B-8DAE-1953F412C126}" type="datetimeFigureOut">
               <a:rPr lang="en-US" dirty="0"/>
-              <a:t>12/2/2020</a:t>
+              <a:t>12/9/2020</a:t>
             </a:fld>
             <a:endParaRPr lang="en-US" dirty="0"/>
           </a:p>
@@ -9445,7 +9453,7 @@
           <a:p>
             <a:fld id="{48A87A34-81AB-432B-8DAE-1953F412C126}" type="datetimeFigureOut">
               <a:rPr lang="en-US" dirty="0"/>
-              <a:t>12/2/2020</a:t>
+              <a:t>12/9/2020</a:t>
             </a:fld>
             <a:endParaRPr lang="en-US" dirty="0"/>
           </a:p>
@@ -9708,7 +9716,7 @@
           <a:p>
             <a:fld id="{48A87A34-81AB-432B-8DAE-1953F412C126}" type="datetimeFigureOut">
               <a:rPr lang="en-US" dirty="0"/>
-              <a:t>12/2/2020</a:t>
+              <a:t>12/9/2020</a:t>
             </a:fld>
             <a:endParaRPr lang="en-US" dirty="0"/>
           </a:p>
@@ -10119,7 +10127,7 @@
           <a:p>
             <a:fld id="{48A87A34-81AB-432B-8DAE-1953F412C126}" type="datetimeFigureOut">
               <a:rPr lang="en-US" dirty="0"/>
-              <a:t>12/2/2020</a:t>
+              <a:t>12/9/2020</a:t>
             </a:fld>
             <a:endParaRPr lang="en-US" dirty="0"/>
           </a:p>
@@ -10263,7 +10271,7 @@
           <a:p>
             <a:fld id="{48A87A34-81AB-432B-8DAE-1953F412C126}" type="datetimeFigureOut">
               <a:rPr lang="en-US" dirty="0"/>
-              <a:t>12/2/2020</a:t>
+              <a:t>12/9/2020</a:t>
             </a:fld>
             <a:endParaRPr lang="en-US" dirty="0"/>
           </a:p>
@@ -10384,7 +10392,7 @@
           <a:p>
             <a:fld id="{48A87A34-81AB-432B-8DAE-1953F412C126}" type="datetimeFigureOut">
               <a:rPr lang="en-US" dirty="0"/>
-              <a:t>12/2/2020</a:t>
+              <a:t>12/9/2020</a:t>
             </a:fld>
             <a:endParaRPr lang="en-US" dirty="0"/>
           </a:p>
@@ -10630,7 +10638,7 @@
           <a:p>
             <a:fld id="{48A87A34-81AB-432B-8DAE-1953F412C126}" type="datetimeFigureOut">
               <a:rPr lang="en-US" dirty="0"/>
-              <a:t>12/2/2020</a:t>
+              <a:t>12/9/2020</a:t>
             </a:fld>
             <a:endParaRPr lang="en-US" dirty="0"/>
           </a:p>
@@ -11071,7 +11079,7 @@
             <a:fld id="{48A87A34-81AB-432B-8DAE-1953F412C126}" type="datetimeFigureOut">
               <a:rPr lang="en-US" dirty="0"/>
               <a:pPr/>
-              <a:t>12/2/2020</a:t>
+              <a:t>12/9/2020</a:t>
             </a:fld>
             <a:endParaRPr lang="en-US" dirty="0"/>
           </a:p>
@@ -11394,7 +11402,7 @@
             <a:fld id="{48A87A34-81AB-432B-8DAE-1953F412C126}" type="datetimeFigureOut">
               <a:rPr lang="en-US" dirty="0"/>
               <a:pPr/>
-              <a:t>12/2/2020</a:t>
+              <a:t>12/9/2020</a:t>
             </a:fld>
             <a:endParaRPr lang="en-US" dirty="0"/>
           </a:p>
@@ -12910,7 +12918,7 @@
             <p:nvPr>
               <p:extLst>
                 <p:ext uri="{D42A27DB-BD31-4B8C-83A1-F6EECF244321}">
-                  <p14:modId xmlns:p14="http://schemas.microsoft.com/office/powerpoint/2010/main" val="177718091"/>
+                  <p14:modId xmlns:p14="http://schemas.microsoft.com/office/powerpoint/2010/main" val="519828038"/>
                 </p:ext>
               </p:extLst>
             </p:nvPr>
@@ -13009,11 +13017,7 @@
             <a:p>
               <a:r>
                 <a:rPr lang="zh-TW" altLang="en-US" sz="1400" dirty="0" smtClean="0"/>
-                <a:t>球的速度及</a:t>
-              </a:r>
-              <a:r>
-                <a:rPr lang="zh-TW" altLang="en-US" sz="1400" dirty="0" smtClean="0"/>
-                <a:t>斜率為非理想</a:t>
+                <a:t>球的速度及斜率為非理想</a:t>
               </a:r>
               <a:endParaRPr lang="zh-TW" altLang="en-US" sz="1400" dirty="0"/>
             </a:p>
@@ -13050,7 +13054,6 @@
                 <a:rPr lang="zh-TW" altLang="en-US" sz="1400" dirty="0"/>
                 <a:t>之資料</a:t>
               </a:r>
-              <a:endParaRPr lang="zh-TW" altLang="en-US" sz="1400" dirty="0"/>
             </a:p>
           </p:txBody>
         </p:sp>
@@ -13773,11 +13776,7 @@
           <a:p>
             <a:r>
               <a:rPr lang="zh-TW" altLang="en-US" sz="1400" dirty="0" smtClean="0"/>
-              <a:t>球</a:t>
-            </a:r>
-            <a:r>
-              <a:rPr lang="zh-TW" altLang="en-US" sz="1400" dirty="0" smtClean="0"/>
-              <a:t>的位置</a:t>
+              <a:t>球的位置</a:t>
             </a:r>
             <a:endParaRPr lang="zh-TW" altLang="en-US" sz="1400" dirty="0"/>
           </a:p>
@@ -13826,6 +13825,150 @@
           </a:p>
         </p:txBody>
       </p:sp>
+      <p:grpSp>
+        <p:nvGrpSpPr>
+          <p:cNvPr id="10" name="群組 9"/>
+          <p:cNvGrpSpPr/>
+          <p:nvPr/>
+        </p:nvGrpSpPr>
+        <p:grpSpPr>
+          <a:xfrm>
+            <a:off x="6959603" y="4183397"/>
+            <a:ext cx="4732864" cy="1362270"/>
+            <a:chOff x="6959603" y="4183397"/>
+            <a:chExt cx="4732864" cy="1362270"/>
+          </a:xfrm>
+        </p:grpSpPr>
+        <p:sp>
+          <p:nvSpPr>
+            <p:cNvPr id="3" name="矩形 2"/>
+            <p:cNvSpPr/>
+            <p:nvPr/>
+          </p:nvSpPr>
+          <p:spPr>
+            <a:xfrm>
+              <a:off x="11514667" y="4183397"/>
+              <a:ext cx="177800" cy="1269136"/>
+            </a:xfrm>
+            <a:prstGeom prst="rect">
+              <a:avLst/>
+            </a:prstGeom>
+            <a:ln>
+              <a:noFill/>
+            </a:ln>
+          </p:spPr>
+          <p:style>
+            <a:lnRef idx="2">
+              <a:schemeClr val="accent1">
+                <a:shade val="50000"/>
+              </a:schemeClr>
+            </a:lnRef>
+            <a:fillRef idx="1">
+              <a:schemeClr val="accent1"/>
+            </a:fillRef>
+            <a:effectRef idx="0">
+              <a:schemeClr val="accent1"/>
+            </a:effectRef>
+            <a:fontRef idx="minor">
+              <a:schemeClr val="lt1"/>
+            </a:fontRef>
+          </p:style>
+          <p:txBody>
+            <a:bodyPr rtlCol="0" anchor="ctr"/>
+            <a:lstStyle/>
+            <a:p>
+              <a:pPr algn="ctr"/>
+              <a:endParaRPr lang="zh-TW" altLang="en-US"/>
+            </a:p>
+          </p:txBody>
+        </p:sp>
+        <p:sp>
+          <p:nvSpPr>
+            <p:cNvPr id="6" name="矩形 5"/>
+            <p:cNvSpPr/>
+            <p:nvPr/>
+          </p:nvSpPr>
+          <p:spPr>
+            <a:xfrm>
+              <a:off x="7044267" y="5393267"/>
+              <a:ext cx="4648200" cy="152400"/>
+            </a:xfrm>
+            <a:prstGeom prst="rect">
+              <a:avLst/>
+            </a:prstGeom>
+            <a:ln>
+              <a:noFill/>
+            </a:ln>
+          </p:spPr>
+          <p:style>
+            <a:lnRef idx="2">
+              <a:schemeClr val="accent1">
+                <a:shade val="50000"/>
+              </a:schemeClr>
+            </a:lnRef>
+            <a:fillRef idx="1">
+              <a:schemeClr val="accent1"/>
+            </a:fillRef>
+            <a:effectRef idx="0">
+              <a:schemeClr val="accent1"/>
+            </a:effectRef>
+            <a:fontRef idx="minor">
+              <a:schemeClr val="lt1"/>
+            </a:fontRef>
+          </p:style>
+          <p:txBody>
+            <a:bodyPr rtlCol="0" anchor="ctr"/>
+            <a:lstStyle/>
+            <a:p>
+              <a:pPr algn="ctr"/>
+              <a:endParaRPr lang="zh-TW" altLang="en-US"/>
+            </a:p>
+          </p:txBody>
+        </p:sp>
+        <p:sp>
+          <p:nvSpPr>
+            <p:cNvPr id="7" name="向下箭號 6"/>
+            <p:cNvSpPr/>
+            <p:nvPr/>
+          </p:nvSpPr>
+          <p:spPr>
+            <a:xfrm flipV="1">
+              <a:off x="6959603" y="4439634"/>
+              <a:ext cx="327160" cy="1106032"/>
+            </a:xfrm>
+            <a:prstGeom prst="downArrow">
+              <a:avLst/>
+            </a:prstGeom>
+            <a:ln>
+              <a:noFill/>
+            </a:ln>
+          </p:spPr>
+          <p:style>
+            <a:lnRef idx="2">
+              <a:schemeClr val="accent1">
+                <a:shade val="50000"/>
+              </a:schemeClr>
+            </a:lnRef>
+            <a:fillRef idx="1">
+              <a:schemeClr val="accent1"/>
+            </a:fillRef>
+            <a:effectRef idx="0">
+              <a:schemeClr val="accent1"/>
+            </a:effectRef>
+            <a:fontRef idx="minor">
+              <a:schemeClr val="lt1"/>
+            </a:fontRef>
+          </p:style>
+          <p:txBody>
+            <a:bodyPr rtlCol="0" anchor="ctr"/>
+            <a:lstStyle/>
+            <a:p>
+              <a:pPr algn="ctr"/>
+              <a:endParaRPr lang="zh-TW" altLang="en-US"/>
+            </a:p>
+          </p:txBody>
+        </p:sp>
+      </p:grpSp>
     </p:spTree>
     <p:extLst>
       <p:ext uri="{BB962C8B-B14F-4D97-AF65-F5344CB8AC3E}">
